--- a/ppt/第4讲-专业写作与口头表达-综述第三版-2022-05-12.pptx
+++ b/ppt/第4讲-专业写作与口头表达-综述第三版-2022-05-12.pptx
@@ -5,19 +5,22 @@
     <p:sldMasterId id="2147483648" r:id="rId1"/>
   </p:sldMasterIdLst>
   <p:notesMasterIdLst>
-    <p:notesMasterId r:id="rId9"/>
+    <p:notesMasterId r:id="rId12"/>
   </p:notesMasterIdLst>
   <p:handoutMasterIdLst>
-    <p:handoutMasterId r:id="rId10"/>
+    <p:handoutMasterId r:id="rId13"/>
   </p:handoutMasterIdLst>
   <p:sldIdLst>
     <p:sldId id="256" r:id="rId2"/>
     <p:sldId id="906" r:id="rId3"/>
     <p:sldId id="907" r:id="rId4"/>
-    <p:sldId id="842" r:id="rId5"/>
-    <p:sldId id="896" r:id="rId6"/>
-    <p:sldId id="908" r:id="rId7"/>
-    <p:sldId id="903" r:id="rId8"/>
+    <p:sldId id="909" r:id="rId5"/>
+    <p:sldId id="842" r:id="rId6"/>
+    <p:sldId id="896" r:id="rId7"/>
+    <p:sldId id="908" r:id="rId8"/>
+    <p:sldId id="910" r:id="rId9"/>
+    <p:sldId id="911" r:id="rId10"/>
+    <p:sldId id="903" r:id="rId11"/>
   </p:sldIdLst>
   <p:sldSz cx="9144000" cy="6858000" type="screen4x3"/>
   <p:notesSz cx="6797675" cy="9926638"/>
@@ -8201,6 +8204,653 @@
 </p:sld>
 </file>
 
+<file path=ppt/slides/slide10.xml><?xml version="1.0" encoding="utf-8"?>
+<p:sld xmlns:a="http://schemas.openxmlformats.org/drawingml/2006/main" xmlns:r="http://schemas.openxmlformats.org/officeDocument/2006/relationships" xmlns:p="http://schemas.openxmlformats.org/presentationml/2006/main">
+  <p:cSld>
+    <p:spTree>
+      <p:nvGrpSpPr>
+        <p:cNvPr id="1" name=""/>
+        <p:cNvGrpSpPr/>
+        <p:nvPr/>
+      </p:nvGrpSpPr>
+      <p:grpSpPr>
+        <a:xfrm>
+          <a:off x="0" y="0"/>
+          <a:ext cx="0" cy="0"/>
+          <a:chOff x="0" y="0"/>
+          <a:chExt cx="0" cy="0"/>
+        </a:xfrm>
+      </p:grpSpPr>
+      <p:pic>
+        <p:nvPicPr>
+          <p:cNvPr id="8" name="图片 7"/>
+          <p:cNvPicPr>
+            <a:picLocks noChangeAspect="1"/>
+          </p:cNvPicPr>
+          <p:nvPr userDrawn="1">
+            <p:custDataLst>
+              <p:tags r:id="rId2"/>
+            </p:custDataLst>
+          </p:nvPr>
+        </p:nvPicPr>
+        <p:blipFill>
+          <a:blip r:embed="rId5"/>
+          <a:stretch>
+            <a:fillRect/>
+          </a:stretch>
+        </p:blipFill>
+        <p:spPr>
+          <a:xfrm>
+            <a:off x="48577" y="249238"/>
+            <a:ext cx="1127284" cy="1068705"/>
+          </a:xfrm>
+          <a:prstGeom prst="rect">
+            <a:avLst/>
+          </a:prstGeom>
+        </p:spPr>
+      </p:pic>
+      <p:sp>
+        <p:nvSpPr>
+          <p:cNvPr id="2" name="标题 1"/>
+          <p:cNvSpPr>
+            <a:spLocks noGrp="1"/>
+          </p:cNvSpPr>
+          <p:nvPr>
+            <p:ph type="title" idx="4294967295"/>
+          </p:nvPr>
+        </p:nvSpPr>
+        <p:spPr>
+          <a:xfrm>
+            <a:off x="827405" y="44133"/>
+            <a:ext cx="7943850" cy="815975"/>
+          </a:xfrm>
+          <a:noFill/>
+          <a:ln w="9525">
+            <a:noFill/>
+          </a:ln>
+        </p:spPr>
+        <p:txBody>
+          <a:bodyPr vert="horz" wrap="square" lIns="90170" tIns="46990" rIns="90170" bIns="46990" rtlCol="0" anchor="ctr" anchorCtr="0">
+            <a:noAutofit/>
+          </a:bodyPr>
+          <a:lstStyle>
+            <a:lvl1pPr algn="ctr" rtl="0" eaLnBrk="0" fontAlgn="base" hangingPunct="0">
+              <a:spcBef>
+                <a:spcPct val="0"/>
+              </a:spcBef>
+              <a:spcAft>
+                <a:spcPct val="0"/>
+              </a:spcAft>
+              <a:defRPr kumimoji="1" sz="4400">
+                <a:solidFill>
+                  <a:schemeClr val="tx2"/>
+                </a:solidFill>
+                <a:latin typeface="+mj-lt"/>
+                <a:ea typeface="+mj-ea"/>
+                <a:cs typeface="+mj-cs"/>
+              </a:defRPr>
+            </a:lvl1pPr>
+            <a:lvl2pPr algn="ctr" rtl="0" eaLnBrk="0" fontAlgn="base" hangingPunct="0">
+              <a:spcBef>
+                <a:spcPct val="0"/>
+              </a:spcBef>
+              <a:spcAft>
+                <a:spcPct val="0"/>
+              </a:spcAft>
+              <a:defRPr kumimoji="1" sz="4400">
+                <a:solidFill>
+                  <a:schemeClr val="tx2"/>
+                </a:solidFill>
+                <a:latin typeface="Times New Roman" panose="02020603050405020304" pitchFamily="18" charset="0"/>
+                <a:ea typeface="宋体" panose="02010600030101010101" pitchFamily="2" charset="-122"/>
+              </a:defRPr>
+            </a:lvl2pPr>
+            <a:lvl3pPr algn="ctr" rtl="0" eaLnBrk="0" fontAlgn="base" hangingPunct="0">
+              <a:spcBef>
+                <a:spcPct val="0"/>
+              </a:spcBef>
+              <a:spcAft>
+                <a:spcPct val="0"/>
+              </a:spcAft>
+              <a:defRPr kumimoji="1" sz="4400">
+                <a:solidFill>
+                  <a:schemeClr val="tx2"/>
+                </a:solidFill>
+                <a:latin typeface="Times New Roman" panose="02020603050405020304" pitchFamily="18" charset="0"/>
+                <a:ea typeface="宋体" panose="02010600030101010101" pitchFamily="2" charset="-122"/>
+              </a:defRPr>
+            </a:lvl3pPr>
+            <a:lvl4pPr algn="ctr" rtl="0" eaLnBrk="0" fontAlgn="base" hangingPunct="0">
+              <a:spcBef>
+                <a:spcPct val="0"/>
+              </a:spcBef>
+              <a:spcAft>
+                <a:spcPct val="0"/>
+              </a:spcAft>
+              <a:defRPr kumimoji="1" sz="4400">
+                <a:solidFill>
+                  <a:schemeClr val="tx2"/>
+                </a:solidFill>
+                <a:latin typeface="Times New Roman" panose="02020603050405020304" pitchFamily="18" charset="0"/>
+                <a:ea typeface="宋体" panose="02010600030101010101" pitchFamily="2" charset="-122"/>
+              </a:defRPr>
+            </a:lvl4pPr>
+            <a:lvl5pPr algn="ctr" rtl="0" eaLnBrk="0" fontAlgn="base" hangingPunct="0">
+              <a:spcBef>
+                <a:spcPct val="0"/>
+              </a:spcBef>
+              <a:spcAft>
+                <a:spcPct val="0"/>
+              </a:spcAft>
+              <a:defRPr kumimoji="1" sz="4400">
+                <a:solidFill>
+                  <a:schemeClr val="tx2"/>
+                </a:solidFill>
+                <a:latin typeface="Times New Roman" panose="02020603050405020304" pitchFamily="18" charset="0"/>
+                <a:ea typeface="宋体" panose="02010600030101010101" pitchFamily="2" charset="-122"/>
+              </a:defRPr>
+            </a:lvl5pPr>
+            <a:lvl6pPr marL="457200" algn="ctr" rtl="0" fontAlgn="base">
+              <a:spcBef>
+                <a:spcPct val="0"/>
+              </a:spcBef>
+              <a:spcAft>
+                <a:spcPct val="0"/>
+              </a:spcAft>
+              <a:defRPr kumimoji="1" sz="4400">
+                <a:solidFill>
+                  <a:schemeClr val="tx2"/>
+                </a:solidFill>
+                <a:latin typeface="Times New Roman" panose="02020603050405020304" pitchFamily="18" charset="0"/>
+                <a:ea typeface="宋体" panose="02010600030101010101" pitchFamily="2" charset="-122"/>
+              </a:defRPr>
+            </a:lvl6pPr>
+            <a:lvl7pPr marL="914400" algn="ctr" rtl="0" fontAlgn="base">
+              <a:spcBef>
+                <a:spcPct val="0"/>
+              </a:spcBef>
+              <a:spcAft>
+                <a:spcPct val="0"/>
+              </a:spcAft>
+              <a:defRPr kumimoji="1" sz="4400">
+                <a:solidFill>
+                  <a:schemeClr val="tx2"/>
+                </a:solidFill>
+                <a:latin typeface="Times New Roman" panose="02020603050405020304" pitchFamily="18" charset="0"/>
+                <a:ea typeface="宋体" panose="02010600030101010101" pitchFamily="2" charset="-122"/>
+              </a:defRPr>
+            </a:lvl7pPr>
+            <a:lvl8pPr marL="1371600" algn="ctr" rtl="0" fontAlgn="base">
+              <a:spcBef>
+                <a:spcPct val="0"/>
+              </a:spcBef>
+              <a:spcAft>
+                <a:spcPct val="0"/>
+              </a:spcAft>
+              <a:defRPr kumimoji="1" sz="4400">
+                <a:solidFill>
+                  <a:schemeClr val="tx2"/>
+                </a:solidFill>
+                <a:latin typeface="Times New Roman" panose="02020603050405020304" pitchFamily="18" charset="0"/>
+                <a:ea typeface="宋体" panose="02010600030101010101" pitchFamily="2" charset="-122"/>
+              </a:defRPr>
+            </a:lvl8pPr>
+            <a:lvl9pPr marL="1828800" algn="ctr" rtl="0" fontAlgn="base">
+              <a:spcBef>
+                <a:spcPct val="0"/>
+              </a:spcBef>
+              <a:spcAft>
+                <a:spcPct val="0"/>
+              </a:spcAft>
+              <a:defRPr kumimoji="1" sz="4400">
+                <a:solidFill>
+                  <a:schemeClr val="tx2"/>
+                </a:solidFill>
+                <a:latin typeface="Times New Roman" panose="02020603050405020304" pitchFamily="18" charset="0"/>
+                <a:ea typeface="宋体" panose="02010600030101010101" pitchFamily="2" charset="-122"/>
+              </a:defRPr>
+            </a:lvl9pPr>
+          </a:lstStyle>
+          <a:p>
+            <a:pPr lvl="0" algn="ctr" defTabSz="914400">
+              <a:buClrTx/>
+              <a:buSzTx/>
+              <a:buFontTx/>
+            </a:pPr>
+            <a:r>
+              <a:rPr lang="zh-CN" altLang="en-US" b="0" spc="0" dirty="0">
+                <a:solidFill>
+                  <a:schemeClr val="accent1">
+                    <a:lumMod val="75000"/>
+                  </a:schemeClr>
+                </a:solidFill>
+                <a:latin typeface="黑体" panose="02010609060101010101" charset="-122"/>
+                <a:ea typeface="黑体" panose="02010609060101010101" charset="-122"/>
+                <a:cs typeface="黑体" panose="02010609060101010101" charset="-122"/>
+                <a:sym typeface="+mn-ea"/>
+              </a:rPr>
+              <a:t>第四讲 作业</a:t>
+            </a:r>
+          </a:p>
+        </p:txBody>
+      </p:sp>
+      <p:sp>
+        <p:nvSpPr>
+          <p:cNvPr id="3" name="内容占位符 2"/>
+          <p:cNvSpPr>
+            <a:spLocks noGrp="1"/>
+          </p:cNvSpPr>
+          <p:nvPr>
+            <p:ph sz="half" idx="4294967295"/>
+            <p:custDataLst>
+              <p:tags r:id="rId3"/>
+            </p:custDataLst>
+          </p:nvPr>
+        </p:nvSpPr>
+        <p:spPr>
+          <a:xfrm>
+            <a:off x="764540" y="1268730"/>
+            <a:ext cx="7623884" cy="4598670"/>
+          </a:xfrm>
+          <a:noFill/>
+          <a:ln w="9525">
+            <a:noFill/>
+          </a:ln>
+        </p:spPr>
+        <p:txBody>
+          <a:bodyPr vert="horz" wrap="square" lIns="90170" tIns="46990" rIns="90170" bIns="46990" rtlCol="0" anchor="t">
+            <a:noAutofit/>
+          </a:bodyPr>
+          <a:lstStyle>
+            <a:lvl1pPr marL="342900" indent="-342900" algn="l" rtl="0" eaLnBrk="0" fontAlgn="base" hangingPunct="0">
+              <a:spcBef>
+                <a:spcPct val="20000"/>
+              </a:spcBef>
+              <a:spcAft>
+                <a:spcPct val="0"/>
+              </a:spcAft>
+              <a:buChar char="•"/>
+              <a:defRPr kumimoji="1" sz="2800">
+                <a:solidFill>
+                  <a:schemeClr val="tx1"/>
+                </a:solidFill>
+                <a:latin typeface="+mn-lt"/>
+                <a:ea typeface="+mn-ea"/>
+                <a:cs typeface="+mn-cs"/>
+              </a:defRPr>
+            </a:lvl1pPr>
+            <a:lvl2pPr marL="742950" indent="-285750" algn="l" rtl="0" eaLnBrk="0" fontAlgn="base" hangingPunct="0">
+              <a:spcBef>
+                <a:spcPct val="20000"/>
+              </a:spcBef>
+              <a:spcAft>
+                <a:spcPct val="0"/>
+              </a:spcAft>
+              <a:buChar char="–"/>
+              <a:defRPr kumimoji="1" sz="2400">
+                <a:solidFill>
+                  <a:schemeClr val="tx1"/>
+                </a:solidFill>
+                <a:latin typeface="+mn-lt"/>
+                <a:ea typeface="+mn-ea"/>
+              </a:defRPr>
+            </a:lvl2pPr>
+            <a:lvl3pPr marL="1143000" indent="-228600" algn="l" rtl="0" eaLnBrk="0" fontAlgn="base" hangingPunct="0">
+              <a:spcBef>
+                <a:spcPct val="20000"/>
+              </a:spcBef>
+              <a:spcAft>
+                <a:spcPct val="0"/>
+              </a:spcAft>
+              <a:buChar char="•"/>
+              <a:defRPr kumimoji="1" sz="2000">
+                <a:solidFill>
+                  <a:schemeClr val="tx1"/>
+                </a:solidFill>
+                <a:latin typeface="+mn-lt"/>
+                <a:ea typeface="+mn-ea"/>
+              </a:defRPr>
+            </a:lvl3pPr>
+            <a:lvl4pPr marL="1600200" indent="-228600" algn="l" rtl="0" eaLnBrk="0" fontAlgn="base" hangingPunct="0">
+              <a:spcBef>
+                <a:spcPct val="20000"/>
+              </a:spcBef>
+              <a:spcAft>
+                <a:spcPct val="0"/>
+              </a:spcAft>
+              <a:buChar char="–"/>
+              <a:defRPr kumimoji="1" sz="1800">
+                <a:solidFill>
+                  <a:schemeClr val="tx1"/>
+                </a:solidFill>
+                <a:latin typeface="+mn-lt"/>
+                <a:ea typeface="+mn-ea"/>
+              </a:defRPr>
+            </a:lvl4pPr>
+            <a:lvl5pPr marL="2057400" indent="-228600" algn="l" rtl="0" eaLnBrk="0" fontAlgn="base" hangingPunct="0">
+              <a:spcBef>
+                <a:spcPct val="20000"/>
+              </a:spcBef>
+              <a:spcAft>
+                <a:spcPct val="0"/>
+              </a:spcAft>
+              <a:buChar char="»"/>
+              <a:defRPr kumimoji="1" sz="1800">
+                <a:solidFill>
+                  <a:schemeClr val="tx1"/>
+                </a:solidFill>
+                <a:latin typeface="+mn-lt"/>
+                <a:ea typeface="+mn-ea"/>
+              </a:defRPr>
+            </a:lvl5pPr>
+            <a:lvl6pPr marL="2514600" indent="-228600" algn="l" rtl="0" fontAlgn="base">
+              <a:spcBef>
+                <a:spcPct val="20000"/>
+              </a:spcBef>
+              <a:spcAft>
+                <a:spcPct val="0"/>
+              </a:spcAft>
+              <a:buChar char="»"/>
+              <a:defRPr kumimoji="1" sz="1800">
+                <a:solidFill>
+                  <a:schemeClr val="tx1"/>
+                </a:solidFill>
+                <a:latin typeface="+mn-lt"/>
+                <a:ea typeface="+mn-ea"/>
+              </a:defRPr>
+            </a:lvl6pPr>
+            <a:lvl7pPr marL="2971800" indent="-228600" algn="l" rtl="0" fontAlgn="base">
+              <a:spcBef>
+                <a:spcPct val="20000"/>
+              </a:spcBef>
+              <a:spcAft>
+                <a:spcPct val="0"/>
+              </a:spcAft>
+              <a:buChar char="»"/>
+              <a:defRPr kumimoji="1" sz="1800">
+                <a:solidFill>
+                  <a:schemeClr val="tx1"/>
+                </a:solidFill>
+                <a:latin typeface="+mn-lt"/>
+                <a:ea typeface="+mn-ea"/>
+              </a:defRPr>
+            </a:lvl7pPr>
+            <a:lvl8pPr marL="3429000" indent="-228600" algn="l" rtl="0" fontAlgn="base">
+              <a:spcBef>
+                <a:spcPct val="20000"/>
+              </a:spcBef>
+              <a:spcAft>
+                <a:spcPct val="0"/>
+              </a:spcAft>
+              <a:buChar char="»"/>
+              <a:defRPr kumimoji="1" sz="1800">
+                <a:solidFill>
+                  <a:schemeClr val="tx1"/>
+                </a:solidFill>
+                <a:latin typeface="+mn-lt"/>
+                <a:ea typeface="+mn-ea"/>
+              </a:defRPr>
+            </a:lvl8pPr>
+            <a:lvl9pPr marL="3886200" indent="-228600" algn="l" rtl="0" fontAlgn="base">
+              <a:spcBef>
+                <a:spcPct val="20000"/>
+              </a:spcBef>
+              <a:spcAft>
+                <a:spcPct val="0"/>
+              </a:spcAft>
+              <a:buChar char="»"/>
+              <a:defRPr kumimoji="1" sz="1800">
+                <a:solidFill>
+                  <a:schemeClr val="tx1"/>
+                </a:solidFill>
+                <a:latin typeface="+mn-lt"/>
+                <a:ea typeface="+mn-ea"/>
+              </a:defRPr>
+            </a:lvl9pPr>
+          </a:lstStyle>
+          <a:p>
+            <a:pPr algn="just">
+              <a:buAutoNum type="arabicPeriod"/>
+            </a:pPr>
+            <a:r>
+              <a:rPr lang="zh-CN" altLang="en-US" sz="1800" dirty="0"/>
+              <a:t>改写综述第三版：</a:t>
+            </a:r>
+            <a:endParaRPr lang="en-US" altLang="zh-CN" sz="1800" dirty="0"/>
+          </a:p>
+          <a:p>
+            <a:pPr marL="0" indent="0" algn="just">
+              <a:buNone/>
+            </a:pPr>
+            <a:r>
+              <a:rPr lang="en-US" altLang="zh-CN" sz="1800" dirty="0"/>
+              <a:t>        1</a:t>
+            </a:r>
+            <a:r>
+              <a:rPr lang="zh-CN" altLang="en-US" sz="1800" dirty="0"/>
+              <a:t>）对综述第三版进行完善，如补充画图等</a:t>
+            </a:r>
+            <a:endParaRPr lang="en-US" altLang="zh-CN" sz="1800" dirty="0"/>
+          </a:p>
+          <a:p>
+            <a:pPr marL="0" indent="0" algn="just">
+              <a:buNone/>
+            </a:pPr>
+            <a:r>
+              <a:rPr lang="en-US" altLang="zh-CN" sz="1800" dirty="0"/>
+              <a:t>        2</a:t>
+            </a:r>
+            <a:r>
+              <a:rPr lang="zh-CN" altLang="en-US" sz="1800" dirty="0"/>
+              <a:t>）</a:t>
+            </a:r>
+            <a:r>
+              <a:rPr lang="en-US" altLang="zh-CN" sz="1800" dirty="0"/>
+              <a:t> </a:t>
+            </a:r>
+            <a:r>
+              <a:rPr lang="zh-CN" altLang="en-US" sz="1800" dirty="0"/>
+              <a:t>阅读其他学生提交的综述及参考文献；</a:t>
+            </a:r>
+            <a:endParaRPr lang="en-US" altLang="zh-CN" sz="1800" dirty="0"/>
+          </a:p>
+          <a:p>
+            <a:pPr marL="0" indent="0" algn="just">
+              <a:buNone/>
+            </a:pPr>
+            <a:r>
+              <a:rPr lang="en-US" sz="1800" dirty="0"/>
+              <a:t>        3</a:t>
+            </a:r>
+            <a:r>
+              <a:rPr lang="zh-CN" altLang="en-US" sz="1800" dirty="0"/>
+              <a:t>） </a:t>
+            </a:r>
+            <a:r>
+              <a:rPr lang="zh-CN" altLang="en-US" sz="1800" dirty="0">
+                <a:solidFill>
+                  <a:srgbClr val="FF0000"/>
+                </a:solidFill>
+              </a:rPr>
+              <a:t>整理至少</a:t>
+            </a:r>
+            <a:r>
+              <a:rPr lang="en-US" altLang="zh-CN" sz="1800" dirty="0">
+                <a:solidFill>
+                  <a:srgbClr val="FF0000"/>
+                </a:solidFill>
+              </a:rPr>
+              <a:t>100</a:t>
+            </a:r>
+            <a:r>
+              <a:rPr lang="zh-CN" altLang="en-US" sz="1800" dirty="0">
+                <a:solidFill>
+                  <a:srgbClr val="FF0000"/>
+                </a:solidFill>
+              </a:rPr>
+              <a:t>篇 </a:t>
+            </a:r>
+            <a:r>
+              <a:rPr lang="en-US" altLang="zh-CN" sz="1800" dirty="0">
+                <a:solidFill>
+                  <a:srgbClr val="FF0000"/>
+                </a:solidFill>
+              </a:rPr>
+              <a:t>2021-2023</a:t>
+            </a:r>
+            <a:r>
+              <a:rPr lang="zh-CN" altLang="en-US" sz="1800" dirty="0">
+                <a:solidFill>
+                  <a:srgbClr val="FF0000"/>
+                </a:solidFill>
+              </a:rPr>
+              <a:t>年的文章，将它们的方法归类，并在正文中引用，并附在参考文献部分（使用</a:t>
+            </a:r>
+            <a:r>
+              <a:rPr lang="en-US" altLang="zh-CN" sz="1800" dirty="0">
+                <a:solidFill>
+                  <a:srgbClr val="FF0000"/>
+                </a:solidFill>
+              </a:rPr>
+              <a:t>Mendeley </a:t>
+            </a:r>
+            <a:r>
+              <a:rPr lang="zh-CN" altLang="en-US" sz="1800" dirty="0">
+                <a:solidFill>
+                  <a:srgbClr val="FF0000"/>
+                </a:solidFill>
+              </a:rPr>
+              <a:t>软件轻松完成）</a:t>
+            </a:r>
+            <a:r>
+              <a:rPr lang="zh-CN" altLang="en-US" sz="1800" dirty="0"/>
+              <a:t>；</a:t>
+            </a:r>
+            <a:r>
+              <a:rPr lang="en-US" sz="1800" dirty="0"/>
+              <a:t>        </a:t>
+            </a:r>
+          </a:p>
+          <a:p>
+            <a:pPr marL="0" indent="0" algn="just">
+              <a:buNone/>
+            </a:pPr>
+            <a:r>
+              <a:rPr lang="en-US" sz="1800" dirty="0"/>
+              <a:t>        4</a:t>
+            </a:r>
+            <a:r>
+              <a:rPr lang="zh-CN" altLang="en-US" sz="1800" dirty="0"/>
+              <a:t>）</a:t>
+            </a:r>
+            <a:r>
+              <a:rPr lang="zh-CN" altLang="en-US" sz="2000" dirty="0">
+                <a:latin typeface="黑体" panose="02010609060101010101" charset="-122"/>
+                <a:ea typeface="黑体" panose="02010609060101010101" charset="-122"/>
+                <a:cs typeface="黑体" panose="02010609060101010101" charset="-122"/>
+                <a:sym typeface="+mn-ea"/>
+              </a:rPr>
+              <a:t>提交：将综述论文（第三版）打包发送到科代表</a:t>
+            </a:r>
+            <a:r>
+              <a:rPr lang="en-US" altLang="zh-CN" sz="2000" dirty="0">
+                <a:latin typeface="黑体" panose="02010609060101010101" charset="-122"/>
+                <a:ea typeface="黑体" panose="02010609060101010101" charset="-122"/>
+                <a:cs typeface="黑体" panose="02010609060101010101" charset="-122"/>
+                <a:sym typeface="+mn-ea"/>
+              </a:rPr>
+              <a:t>***</a:t>
+            </a:r>
+            <a:r>
+              <a:rPr lang="zh-CN" altLang="en-US" sz="2000" dirty="0">
+                <a:latin typeface="黑体" panose="02010609060101010101" charset="-122"/>
+                <a:ea typeface="黑体" panose="02010609060101010101" charset="-122"/>
+                <a:cs typeface="黑体" panose="02010609060101010101" charset="-122"/>
+                <a:sym typeface="+mn-ea"/>
+              </a:rPr>
+              <a:t>的邮箱：</a:t>
+            </a:r>
+            <a:r>
+              <a:rPr lang="en-US" altLang="zh-CN" sz="2000" dirty="0">
+                <a:latin typeface="黑体" panose="02010609060101010101" charset="-122"/>
+                <a:ea typeface="黑体" panose="02010609060101010101" charset="-122"/>
+                <a:cs typeface="黑体" panose="02010609060101010101" charset="-122"/>
+                <a:sym typeface="+mn-ea"/>
+              </a:rPr>
+              <a:t>***@***</a:t>
+            </a:r>
+            <a:r>
+              <a:rPr lang="zh-CN" altLang="en-US" sz="2000" dirty="0">
+                <a:latin typeface="黑体" panose="02010609060101010101" charset="-122"/>
+                <a:ea typeface="黑体" panose="02010609060101010101" charset="-122"/>
+                <a:cs typeface="黑体" panose="02010609060101010101" charset="-122"/>
+                <a:sym typeface="+mn-ea"/>
+              </a:rPr>
+              <a:t>，</a:t>
+            </a:r>
+            <a:r>
+              <a:rPr lang="zh-CN" altLang="en-US" sz="2000" dirty="0">
+                <a:latin typeface="黑体" panose="02010609060101010101" charset="-122"/>
+                <a:ea typeface="黑体" panose="02010609060101010101" charset="-122"/>
+                <a:cs typeface="黑体" panose="02010609060101010101" charset="-122"/>
+                <a:sym typeface="+mn-ea"/>
+                <a:hlinkClick r:id="rId6"/>
+              </a:rPr>
+              <a:t>由科代表打包发到我的邮箱</a:t>
+            </a:r>
+            <a:r>
+              <a:rPr lang="en-US" altLang="zh-CN" sz="2000" dirty="0">
+                <a:latin typeface="黑体" panose="02010609060101010101" charset="-122"/>
+                <a:ea typeface="黑体" panose="02010609060101010101" charset="-122"/>
+                <a:cs typeface="黑体" panose="02010609060101010101" charset="-122"/>
+                <a:sym typeface="+mn-ea"/>
+                <a:hlinkClick r:id="rId6"/>
+              </a:rPr>
+              <a:t>jqi@uestc.edu.cn</a:t>
+            </a:r>
+            <a:r>
+              <a:rPr lang="en-US" altLang="zh-CN" sz="2000" dirty="0">
+                <a:latin typeface="黑体" panose="02010609060101010101" charset="-122"/>
+                <a:ea typeface="黑体" panose="02010609060101010101" charset="-122"/>
+                <a:cs typeface="黑体" panose="02010609060101010101" charset="-122"/>
+                <a:sym typeface="+mn-ea"/>
+              </a:rPr>
+              <a:t>(</a:t>
+            </a:r>
+            <a:r>
+              <a:rPr lang="zh-CN" altLang="en-US" sz="2000" dirty="0">
+                <a:latin typeface="黑体" panose="02010609060101010101" charset="-122"/>
+                <a:ea typeface="黑体" panose="02010609060101010101" charset="-122"/>
+                <a:cs typeface="黑体" panose="02010609060101010101" charset="-122"/>
+                <a:sym typeface="+mn-ea"/>
+              </a:rPr>
+              <a:t>如无必要，请勿发此邮箱）</a:t>
+            </a:r>
+            <a:endParaRPr lang="en-US" altLang="zh-CN" sz="2000" dirty="0">
+              <a:latin typeface="黑体" panose="02010609060101010101" charset="-122"/>
+              <a:ea typeface="黑体" panose="02010609060101010101" charset="-122"/>
+              <a:cs typeface="黑体" panose="02010609060101010101" charset="-122"/>
+              <a:sym typeface="+mn-ea"/>
+            </a:endParaRPr>
+          </a:p>
+        </p:txBody>
+      </p:sp>
+    </p:spTree>
+    <p:custDataLst>
+      <p:tags r:id="rId1"/>
+    </p:custDataLst>
+    <p:extLst>
+      <p:ext uri="{BB962C8B-B14F-4D97-AF65-F5344CB8AC3E}">
+        <p14:creationId xmlns:p14="http://schemas.microsoft.com/office/powerpoint/2010/main" val="3629838017"/>
+      </p:ext>
+    </p:extLst>
+  </p:cSld>
+  <p:clrMapOvr>
+    <a:masterClrMapping/>
+  </p:clrMapOvr>
+</p:sld>
+</file>
+
 <file path=ppt/slides/slide2.xml><?xml version="1.0" encoding="utf-8"?>
 <p:sld xmlns:a="http://schemas.openxmlformats.org/drawingml/2006/main" xmlns:r="http://schemas.openxmlformats.org/officeDocument/2006/relationships" xmlns:p="http://schemas.openxmlformats.org/presentationml/2006/main">
   <p:cSld>
@@ -8705,6 +9355,279 @@
 </file>
 
 <file path=ppt/slides/slide4.xml><?xml version="1.0" encoding="utf-8"?>
+<p:sld xmlns:a="http://schemas.openxmlformats.org/drawingml/2006/main" xmlns:r="http://schemas.openxmlformats.org/officeDocument/2006/relationships" xmlns:p="http://schemas.openxmlformats.org/presentationml/2006/main">
+  <p:cSld>
+    <p:spTree>
+      <p:nvGrpSpPr>
+        <p:cNvPr id="1" name=""/>
+        <p:cNvGrpSpPr/>
+        <p:nvPr/>
+      </p:nvGrpSpPr>
+      <p:grpSpPr>
+        <a:xfrm>
+          <a:off x="0" y="0"/>
+          <a:ext cx="0" cy="0"/>
+          <a:chOff x="0" y="0"/>
+          <a:chExt cx="0" cy="0"/>
+        </a:xfrm>
+      </p:grpSpPr>
+      <p:sp>
+        <p:nvSpPr>
+          <p:cNvPr id="2" name="标题 1">
+            <a:extLst>
+              <a:ext uri="{FF2B5EF4-FFF2-40B4-BE49-F238E27FC236}">
+                <a16:creationId xmlns:a16="http://schemas.microsoft.com/office/drawing/2014/main" id="{0FD8F0F5-99A5-41C3-9525-147A7A05E011}"/>
+              </a:ext>
+            </a:extLst>
+          </p:cNvPr>
+          <p:cNvSpPr>
+            <a:spLocks noGrp="1"/>
+          </p:cNvSpPr>
+          <p:nvPr>
+            <p:ph type="title"/>
+          </p:nvPr>
+        </p:nvSpPr>
+        <p:spPr>
+          <a:xfrm>
+            <a:off x="899592" y="22732"/>
+            <a:ext cx="7943850" cy="815975"/>
+          </a:xfrm>
+        </p:spPr>
+        <p:txBody>
+          <a:bodyPr>
+            <a:normAutofit fontScale="90000"/>
+          </a:bodyPr>
+          <a:lstStyle/>
+          <a:p>
+            <a:r>
+              <a:rPr lang="en-US" b="1" i="0" dirty="0" err="1">
+                <a:solidFill>
+                  <a:srgbClr val="00B050"/>
+                </a:solidFill>
+                <a:effectLst/>
+                <a:latin typeface="-apple-system"/>
+              </a:rPr>
+              <a:t>PatchCamelyon</a:t>
+            </a:r>
+            <a:r>
+              <a:rPr lang="en-US" b="1" i="0" dirty="0">
+                <a:solidFill>
+                  <a:srgbClr val="00B050"/>
+                </a:solidFill>
+                <a:effectLst/>
+                <a:latin typeface="-apple-system"/>
+              </a:rPr>
+              <a:t> (</a:t>
+            </a:r>
+            <a:r>
+              <a:rPr lang="en-US" b="1" i="0" dirty="0" err="1">
+                <a:solidFill>
+                  <a:srgbClr val="00B050"/>
+                </a:solidFill>
+                <a:effectLst/>
+                <a:latin typeface="-apple-system"/>
+              </a:rPr>
+              <a:t>PCam</a:t>
+            </a:r>
+            <a:r>
+              <a:rPr lang="en-US" b="1" i="0" dirty="0">
+                <a:solidFill>
+                  <a:srgbClr val="00B050"/>
+                </a:solidFill>
+                <a:effectLst/>
+                <a:latin typeface="-apple-system"/>
+              </a:rPr>
+              <a:t>)</a:t>
+            </a:r>
+            <a:r>
+              <a:rPr lang="en-US" b="1" dirty="0">
+                <a:solidFill>
+                  <a:srgbClr val="00B050"/>
+                </a:solidFill>
+                <a:latin typeface="-apple-system"/>
+              </a:rPr>
+              <a:t>(</a:t>
+            </a:r>
+            <a:r>
+              <a:rPr lang="en-US" b="1" dirty="0" err="1">
+                <a:solidFill>
+                  <a:srgbClr val="00B050"/>
+                </a:solidFill>
+                <a:latin typeface="-apple-system"/>
+              </a:rPr>
+              <a:t>code+data</a:t>
+            </a:r>
+            <a:r>
+              <a:rPr lang="en-US" b="1" dirty="0">
+                <a:solidFill>
+                  <a:srgbClr val="00B050"/>
+                </a:solidFill>
+                <a:latin typeface="-apple-system"/>
+              </a:rPr>
+              <a:t>)</a:t>
+            </a:r>
+            <a:endParaRPr lang="en-US" dirty="0">
+              <a:solidFill>
+                <a:srgbClr val="00B050"/>
+              </a:solidFill>
+            </a:endParaRPr>
+          </a:p>
+        </p:txBody>
+      </p:sp>
+      <p:sp>
+        <p:nvSpPr>
+          <p:cNvPr id="3" name="内容占位符 2">
+            <a:extLst>
+              <a:ext uri="{FF2B5EF4-FFF2-40B4-BE49-F238E27FC236}">
+                <a16:creationId xmlns:a16="http://schemas.microsoft.com/office/drawing/2014/main" id="{489EAE6F-CF7B-4E90-B1A9-8298929ADCDF}"/>
+              </a:ext>
+            </a:extLst>
+          </p:cNvPr>
+          <p:cNvSpPr>
+            <a:spLocks noGrp="1"/>
+          </p:cNvSpPr>
+          <p:nvPr>
+            <p:ph idx="1"/>
+          </p:nvPr>
+        </p:nvSpPr>
+        <p:spPr>
+          <a:xfrm>
+            <a:off x="539552" y="1120819"/>
+            <a:ext cx="7886700" cy="679872"/>
+          </a:xfrm>
+        </p:spPr>
+        <p:txBody>
+          <a:bodyPr/>
+          <a:lstStyle/>
+          <a:p>
+            <a:r>
+              <a:rPr lang="en-US" sz="2000" b="1" i="0" dirty="0">
+                <a:solidFill>
+                  <a:srgbClr val="00693E"/>
+                </a:solidFill>
+                <a:effectLst/>
+                <a:latin typeface="Helvetica Neue"/>
+                <a:hlinkClick r:id="rId2"/>
+              </a:rPr>
+              <a:t>https://github.com/basveeling/pcam</a:t>
+            </a:r>
+            <a:endParaRPr lang="en-US" dirty="0"/>
+          </a:p>
+        </p:txBody>
+      </p:sp>
+      <p:pic>
+        <p:nvPicPr>
+          <p:cNvPr id="11" name="图片 10">
+            <a:extLst>
+              <a:ext uri="{FF2B5EF4-FFF2-40B4-BE49-F238E27FC236}">
+                <a16:creationId xmlns:a16="http://schemas.microsoft.com/office/drawing/2014/main" id="{CE158FE8-176F-4A4B-927E-36503AE31236}"/>
+              </a:ext>
+            </a:extLst>
+          </p:cNvPr>
+          <p:cNvPicPr>
+            <a:picLocks noChangeAspect="1"/>
+          </p:cNvPicPr>
+          <p:nvPr/>
+        </p:nvPicPr>
+        <p:blipFill>
+          <a:blip r:embed="rId3">
+            <a:extLst>
+              <a:ext uri="{28A0092B-C50C-407E-A947-70E740481C1C}">
+                <a14:useLocalDpi xmlns:a14="http://schemas.microsoft.com/office/drawing/2010/main" val="0"/>
+              </a:ext>
+            </a:extLst>
+          </a:blip>
+          <a:stretch>
+            <a:fillRect/>
+          </a:stretch>
+        </p:blipFill>
+        <p:spPr>
+          <a:xfrm>
+            <a:off x="0" y="2286000"/>
+            <a:ext cx="9144000" cy="2286000"/>
+          </a:xfrm>
+          <a:prstGeom prst="rect">
+            <a:avLst/>
+          </a:prstGeom>
+        </p:spPr>
+      </p:pic>
+      <p:sp>
+        <p:nvSpPr>
+          <p:cNvPr id="14" name="文本框 13">
+            <a:extLst>
+              <a:ext uri="{FF2B5EF4-FFF2-40B4-BE49-F238E27FC236}">
+                <a16:creationId xmlns:a16="http://schemas.microsoft.com/office/drawing/2014/main" id="{B85AB625-3C5A-455C-B116-5963F1B0EDD5}"/>
+              </a:ext>
+            </a:extLst>
+          </p:cNvPr>
+          <p:cNvSpPr txBox="1"/>
+          <p:nvPr/>
+        </p:nvSpPr>
+        <p:spPr>
+          <a:xfrm>
+            <a:off x="899592" y="4572000"/>
+            <a:ext cx="8244408" cy="830997"/>
+          </a:xfrm>
+          <a:prstGeom prst="rect">
+            <a:avLst/>
+          </a:prstGeom>
+          <a:noFill/>
+        </p:spPr>
+        <p:txBody>
+          <a:bodyPr wrap="square">
+            <a:spAutoFit/>
+          </a:bodyPr>
+          <a:lstStyle/>
+          <a:p>
+            <a:pPr algn="just"/>
+            <a:r>
+              <a:rPr lang="en-US" sz="2400" b="0" i="1" dirty="0">
+                <a:solidFill>
+                  <a:srgbClr val="1F2328"/>
+                </a:solidFill>
+                <a:effectLst/>
+                <a:latin typeface="-apple-system"/>
+              </a:rPr>
+              <a:t>Example images from </a:t>
+            </a:r>
+            <a:r>
+              <a:rPr lang="en-US" sz="2400" b="0" i="1" dirty="0" err="1">
+                <a:solidFill>
+                  <a:srgbClr val="1F2328"/>
+                </a:solidFill>
+                <a:effectLst/>
+                <a:latin typeface="-apple-system"/>
+              </a:rPr>
+              <a:t>PCam</a:t>
+            </a:r>
+            <a:r>
+              <a:rPr lang="en-US" sz="2400" b="0" i="1" dirty="0">
+                <a:solidFill>
+                  <a:srgbClr val="1F2328"/>
+                </a:solidFill>
+                <a:effectLst/>
+                <a:latin typeface="-apple-system"/>
+              </a:rPr>
+              <a:t>. Green boxes indicate tumor tissue in center region, which dictates a positive label.</a:t>
+            </a:r>
+            <a:endParaRPr lang="en-US" sz="2400" dirty="0"/>
+          </a:p>
+        </p:txBody>
+      </p:sp>
+    </p:spTree>
+    <p:extLst>
+      <p:ext uri="{BB962C8B-B14F-4D97-AF65-F5344CB8AC3E}">
+        <p14:creationId xmlns:p14="http://schemas.microsoft.com/office/powerpoint/2010/main" val="3562778776"/>
+      </p:ext>
+    </p:extLst>
+  </p:cSld>
+  <p:clrMapOvr>
+    <a:masterClrMapping/>
+  </p:clrMapOvr>
+</p:sld>
+</file>
+
+<file path=ppt/slides/slide5.xml><?xml version="1.0" encoding="utf-8"?>
 <p:sld xmlns:a="http://schemas.openxmlformats.org/drawingml/2006/main" xmlns:r="http://schemas.openxmlformats.org/officeDocument/2006/relationships" xmlns:p="http://schemas.openxmlformats.org/presentationml/2006/main">
   <p:cSld>
     <p:spTree>
@@ -10344,7 +11267,7 @@
 </p:sld>
 </file>
 
-<file path=ppt/slides/slide5.xml><?xml version="1.0" encoding="utf-8"?>
+<file path=ppt/slides/slide6.xml><?xml version="1.0" encoding="utf-8"?>
 <p:sld xmlns:a="http://schemas.openxmlformats.org/drawingml/2006/main" xmlns:r="http://schemas.openxmlformats.org/officeDocument/2006/relationships" xmlns:p="http://schemas.openxmlformats.org/presentationml/2006/main">
   <p:cSld>
     <p:spTree>
@@ -10870,7 +11793,7 @@
 </p:sld>
 </file>
 
-<file path=ppt/slides/slide6.xml><?xml version="1.0" encoding="utf-8"?>
+<file path=ppt/slides/slide7.xml><?xml version="1.0" encoding="utf-8"?>
 <p:sld xmlns:a="http://schemas.openxmlformats.org/drawingml/2006/main" xmlns:r="http://schemas.openxmlformats.org/officeDocument/2006/relationships" xmlns:p="http://schemas.openxmlformats.org/presentationml/2006/main">
   <p:cSld>
     <p:spTree>
@@ -10915,7 +11838,7 @@
             </a:pPr>
             <a:fld id="{9A0DB2DC-4C9A-4742-B13C-FB6460FD3503}" type="slidenum">
               <a:rPr lang="en-US" altLang="zh-CN" sz="2000" dirty="0"/>
-              <a:t>6</a:t>
+              <a:t>7</a:t>
             </a:fld>
             <a:endParaRPr lang="en-US" altLang="zh-CN" sz="2000" dirty="0"/>
           </a:p>
@@ -11451,7 +12374,7 @@
 </p:sld>
 </file>
 
-<file path=ppt/slides/slide7.xml><?xml version="1.0" encoding="utf-8"?>
+<file path=ppt/slides/slide8.xml><?xml version="1.0" encoding="utf-8"?>
 <p:sld xmlns:a="http://schemas.openxmlformats.org/drawingml/2006/main" xmlns:r="http://schemas.openxmlformats.org/officeDocument/2006/relationships" xmlns:p="http://schemas.openxmlformats.org/presentationml/2006/main">
   <p:cSld>
     <p:spTree>
@@ -11468,542 +12391,957 @@
           <a:chExt cx="0" cy="0"/>
         </a:xfrm>
       </p:grpSpPr>
+      <p:sp>
+        <p:nvSpPr>
+          <p:cNvPr id="46082" name="灯片编号占位符 5"/>
+          <p:cNvSpPr txBox="1">
+            <a:spLocks noGrp="1"/>
+          </p:cNvSpPr>
+          <p:nvPr>
+            <p:ph type="sldNum" sz="quarter" idx="12"/>
+          </p:nvPr>
+        </p:nvSpPr>
+        <p:spPr>
+          <a:xfrm>
+            <a:off x="8459788" y="6381750"/>
+            <a:ext cx="576262" cy="457200"/>
+          </a:xfrm>
+        </p:spPr>
+        <p:txBody>
+          <a:bodyPr/>
+          <a:lstStyle/>
+          <a:p>
+            <a:pPr marL="0" indent="0" algn="r" eaLnBrk="1" hangingPunct="1">
+              <a:spcBef>
+                <a:spcPct val="0"/>
+              </a:spcBef>
+              <a:buNone/>
+            </a:pPr>
+            <a:fld id="{9A0DB2DC-4C9A-4742-B13C-FB6460FD3503}" type="slidenum">
+              <a:rPr lang="en-US" altLang="zh-CN" sz="2000" dirty="0"/>
+              <a:t>8</a:t>
+            </a:fld>
+            <a:endParaRPr lang="en-US" altLang="zh-CN" sz="2000" dirty="0"/>
+          </a:p>
+        </p:txBody>
+      </p:sp>
+      <p:sp>
+        <p:nvSpPr>
+          <p:cNvPr id="9" name="Rectangle 2"/>
+          <p:cNvSpPr>
+            <a:spLocks noGrp="1" noChangeArrowheads="1"/>
+          </p:cNvSpPr>
+          <p:nvPr>
+            <p:ph type="title"/>
+          </p:nvPr>
+        </p:nvSpPr>
+        <p:spPr>
+          <a:xfrm>
+            <a:off x="1547813" y="44450"/>
+            <a:ext cx="6624638" cy="792163"/>
+          </a:xfrm>
+        </p:spPr>
+        <p:txBody>
+          <a:bodyPr vert="horz" wrap="square" lIns="91440" tIns="45720" rIns="91440" bIns="45720" numCol="1" anchor="ctr" anchorCtr="0" compatLnSpc="1"/>
+          <a:lstStyle/>
+          <a:p>
+            <a:pPr marL="0" marR="0" lvl="0" indent="0" algn="ctr" defTabSz="914400" rtl="0" eaLnBrk="1" fontAlgn="base" latinLnBrk="0" hangingPunct="1">
+              <a:lnSpc>
+                <a:spcPct val="100000"/>
+              </a:lnSpc>
+              <a:spcBef>
+                <a:spcPct val="0"/>
+              </a:spcBef>
+              <a:spcAft>
+                <a:spcPct val="0"/>
+              </a:spcAft>
+              <a:buClrTx/>
+              <a:buSzTx/>
+              <a:buFontTx/>
+              <a:buNone/>
+              <a:defRPr/>
+            </a:pPr>
+            <a:r>
+              <a:rPr kumimoji="1" lang="zh-CN" altLang="en-US" sz="4800" b="1" i="0" u="none" strike="noStrike" kern="0" cap="none" spc="0" normalizeH="0" baseline="0" noProof="0" dirty="0">
+                <a:ln>
+                  <a:noFill/>
+                </a:ln>
+                <a:solidFill>
+                  <a:srgbClr val="0000FF"/>
+                </a:solidFill>
+                <a:effectLst>
+                  <a:outerShdw blurRad="38100" dist="38100" dir="2700000" algn="tl">
+                    <a:srgbClr val="000000"/>
+                  </a:outerShdw>
+                </a:effectLst>
+                <a:uLnTx/>
+                <a:uFillTx/>
+                <a:latin typeface="宋体" panose="02010600030101010101" pitchFamily="2" charset="-122"/>
+                <a:ea typeface="+mj-ea"/>
+                <a:cs typeface="+mj-cs"/>
+              </a:rPr>
+              <a:t>第四章 </a:t>
+            </a:r>
+            <a:r>
+              <a:rPr kumimoji="1" lang="en-US" altLang="zh-CN" sz="4800" b="1" i="0" u="none" strike="noStrike" kern="0" cap="none" spc="0" normalizeH="0" baseline="0" noProof="0" dirty="0">
+                <a:ln>
+                  <a:noFill/>
+                </a:ln>
+                <a:solidFill>
+                  <a:srgbClr val="0000FF"/>
+                </a:solidFill>
+                <a:effectLst>
+                  <a:outerShdw blurRad="38100" dist="38100" dir="2700000" algn="tl">
+                    <a:srgbClr val="000000"/>
+                  </a:outerShdw>
+                </a:effectLst>
+                <a:uLnTx/>
+                <a:uFillTx/>
+                <a:latin typeface="宋体" panose="02010600030101010101" pitchFamily="2" charset="-122"/>
+                <a:ea typeface="+mj-ea"/>
+                <a:cs typeface="+mj-cs"/>
+              </a:rPr>
+              <a:t>Mendeley</a:t>
+            </a:r>
+            <a:endParaRPr kumimoji="1" lang="zh-CN" altLang="en-US" sz="4800" b="1" i="0" u="none" strike="noStrike" kern="0" cap="none" spc="0" normalizeH="0" baseline="0" noProof="0" dirty="0">
+              <a:ln>
+                <a:noFill/>
+              </a:ln>
+              <a:solidFill>
+                <a:srgbClr val="0000FF"/>
+              </a:solidFill>
+              <a:effectLst>
+                <a:outerShdw blurRad="38100" dist="38100" dir="2700000" algn="tl">
+                  <a:srgbClr val="000000"/>
+                </a:outerShdw>
+              </a:effectLst>
+              <a:uLnTx/>
+              <a:uFillTx/>
+              <a:latin typeface="宋体" panose="02010600030101010101" pitchFamily="2" charset="-122"/>
+              <a:ea typeface="+mj-ea"/>
+              <a:cs typeface="+mj-cs"/>
+            </a:endParaRPr>
+          </a:p>
+        </p:txBody>
+      </p:sp>
+      <p:sp>
+        <p:nvSpPr>
+          <p:cNvPr id="46084" name="矩形 3"/>
+          <p:cNvSpPr/>
+          <p:nvPr/>
+        </p:nvSpPr>
+        <p:spPr>
+          <a:xfrm>
+            <a:off x="954088" y="1042988"/>
+            <a:ext cx="7722368" cy="1538883"/>
+          </a:xfrm>
+          <a:prstGeom prst="rect">
+            <a:avLst/>
+          </a:prstGeom>
+          <a:noFill/>
+          <a:ln w="9525">
+            <a:noFill/>
+          </a:ln>
+        </p:spPr>
+        <p:txBody>
+          <a:bodyPr wrap="square">
+            <a:spAutoFit/>
+          </a:bodyPr>
+          <a:lstStyle>
+            <a:lvl1pPr marL="342900" indent="-342900" algn="l" rtl="0" eaLnBrk="0" fontAlgn="base" hangingPunct="0">
+              <a:spcBef>
+                <a:spcPct val="20000"/>
+              </a:spcBef>
+              <a:spcAft>
+                <a:spcPct val="0"/>
+              </a:spcAft>
+              <a:buChar char="•"/>
+              <a:defRPr kumimoji="1" sz="3200">
+                <a:solidFill>
+                  <a:schemeClr val="tx1"/>
+                </a:solidFill>
+                <a:latin typeface="+mn-lt"/>
+                <a:ea typeface="+mn-ea"/>
+                <a:cs typeface="+mn-cs"/>
+              </a:defRPr>
+            </a:lvl1pPr>
+            <a:lvl2pPr marL="742950" indent="-285750" algn="l" rtl="0" eaLnBrk="0" fontAlgn="base" hangingPunct="0">
+              <a:spcBef>
+                <a:spcPct val="20000"/>
+              </a:spcBef>
+              <a:spcAft>
+                <a:spcPct val="0"/>
+              </a:spcAft>
+              <a:buChar char="–"/>
+              <a:defRPr kumimoji="1" sz="2800">
+                <a:solidFill>
+                  <a:schemeClr val="tx1"/>
+                </a:solidFill>
+                <a:latin typeface="+mn-lt"/>
+                <a:ea typeface="+mn-ea"/>
+              </a:defRPr>
+            </a:lvl2pPr>
+            <a:lvl3pPr marL="1143000" indent="-228600" algn="l" rtl="0" eaLnBrk="0" fontAlgn="base" hangingPunct="0">
+              <a:spcBef>
+                <a:spcPct val="20000"/>
+              </a:spcBef>
+              <a:spcAft>
+                <a:spcPct val="0"/>
+              </a:spcAft>
+              <a:buChar char="•"/>
+              <a:defRPr kumimoji="1" sz="2400">
+                <a:solidFill>
+                  <a:schemeClr val="tx1"/>
+                </a:solidFill>
+                <a:latin typeface="+mn-lt"/>
+                <a:ea typeface="+mn-ea"/>
+              </a:defRPr>
+            </a:lvl3pPr>
+            <a:lvl4pPr marL="1600200" indent="-228600" algn="l" rtl="0" eaLnBrk="0" fontAlgn="base" hangingPunct="0">
+              <a:spcBef>
+                <a:spcPct val="20000"/>
+              </a:spcBef>
+              <a:spcAft>
+                <a:spcPct val="0"/>
+              </a:spcAft>
+              <a:buChar char="–"/>
+              <a:defRPr kumimoji="1" sz="2000">
+                <a:solidFill>
+                  <a:schemeClr val="tx1"/>
+                </a:solidFill>
+                <a:latin typeface="+mn-lt"/>
+                <a:ea typeface="+mn-ea"/>
+              </a:defRPr>
+            </a:lvl4pPr>
+            <a:lvl5pPr marL="2057400" indent="-228600" algn="l" rtl="0" eaLnBrk="0" fontAlgn="base" hangingPunct="0">
+              <a:spcBef>
+                <a:spcPct val="20000"/>
+              </a:spcBef>
+              <a:spcAft>
+                <a:spcPct val="0"/>
+              </a:spcAft>
+              <a:buChar char="»"/>
+              <a:defRPr kumimoji="1" sz="2000">
+                <a:solidFill>
+                  <a:schemeClr val="tx1"/>
+                </a:solidFill>
+                <a:latin typeface="+mn-lt"/>
+                <a:ea typeface="+mn-ea"/>
+              </a:defRPr>
+            </a:lvl5pPr>
+          </a:lstStyle>
+          <a:p>
+            <a:pPr marL="514350" lvl="0" indent="-514350" algn="just" defTabSz="457200" eaLnBrk="1" hangingPunct="1">
+              <a:spcBef>
+                <a:spcPct val="0"/>
+              </a:spcBef>
+              <a:spcAft>
+                <a:spcPts val="600"/>
+              </a:spcAft>
+              <a:buAutoNum type="arabicPeriod"/>
+            </a:pPr>
+            <a:r>
+              <a:rPr lang="zh-CN" altLang="en-US" sz="2800" b="1" dirty="0">
+                <a:solidFill>
+                  <a:srgbClr val="000000"/>
+                </a:solidFill>
+                <a:latin typeface="Calibri" panose="020F0502020204030204" pitchFamily="34" charset="0"/>
+                <a:ea typeface="等线" panose="02010600030101010101" pitchFamily="2" charset="-122"/>
+              </a:rPr>
+              <a:t>注册</a:t>
+            </a:r>
+            <a:endParaRPr lang="en-US" altLang="zh-CN" sz="2800" b="1" dirty="0">
+              <a:solidFill>
+                <a:srgbClr val="000000"/>
+              </a:solidFill>
+              <a:latin typeface="Calibri" panose="020F0502020204030204" pitchFamily="34" charset="0"/>
+              <a:ea typeface="等线" panose="02010600030101010101" pitchFamily="2" charset="-122"/>
+            </a:endParaRPr>
+          </a:p>
+          <a:p>
+            <a:pPr marL="514350" lvl="0" indent="-514350" algn="just" defTabSz="457200" eaLnBrk="1" hangingPunct="1">
+              <a:spcBef>
+                <a:spcPct val="0"/>
+              </a:spcBef>
+              <a:spcAft>
+                <a:spcPts val="600"/>
+              </a:spcAft>
+              <a:buAutoNum type="arabicPeriod"/>
+            </a:pPr>
+            <a:r>
+              <a:rPr lang="zh-CN" altLang="en-US" sz="2800" b="1" dirty="0">
+                <a:solidFill>
+                  <a:srgbClr val="000000"/>
+                </a:solidFill>
+                <a:latin typeface="Calibri" panose="020F0502020204030204" pitchFamily="34" charset="0"/>
+                <a:ea typeface="等线" panose="02010600030101010101" pitchFamily="2" charset="-122"/>
+              </a:rPr>
+              <a:t>安装</a:t>
+            </a:r>
+            <a:endParaRPr lang="en-US" altLang="zh-CN" sz="2800" b="1" dirty="0">
+              <a:solidFill>
+                <a:srgbClr val="000000"/>
+              </a:solidFill>
+              <a:latin typeface="Calibri" panose="020F0502020204030204" pitchFamily="34" charset="0"/>
+              <a:ea typeface="等线" panose="02010600030101010101" pitchFamily="2" charset="-122"/>
+            </a:endParaRPr>
+          </a:p>
+          <a:p>
+            <a:pPr marL="514350" lvl="0" indent="-514350" algn="just" defTabSz="457200" eaLnBrk="1" hangingPunct="1">
+              <a:spcBef>
+                <a:spcPct val="0"/>
+              </a:spcBef>
+              <a:spcAft>
+                <a:spcPts val="600"/>
+              </a:spcAft>
+              <a:buAutoNum type="arabicPeriod"/>
+            </a:pPr>
+            <a:r>
+              <a:rPr lang="zh-CN" altLang="en-US" sz="2800" b="1" dirty="0">
+                <a:solidFill>
+                  <a:srgbClr val="000000"/>
+                </a:solidFill>
+                <a:latin typeface="Calibri" panose="020F0502020204030204" pitchFamily="34" charset="0"/>
+                <a:ea typeface="等线" panose="02010600030101010101" pitchFamily="2" charset="-122"/>
+              </a:rPr>
+              <a:t>使用</a:t>
+            </a:r>
+            <a:endParaRPr lang="en-US" altLang="zh-CN" sz="2800" b="1" dirty="0">
+              <a:solidFill>
+                <a:srgbClr val="000000"/>
+              </a:solidFill>
+              <a:latin typeface="Calibri" panose="020F0502020204030204" pitchFamily="34" charset="0"/>
+              <a:ea typeface="等线" panose="02010600030101010101" pitchFamily="2" charset="-122"/>
+            </a:endParaRPr>
+          </a:p>
+        </p:txBody>
+      </p:sp>
+      <p:sp>
+        <p:nvSpPr>
+          <p:cNvPr id="7" name="文本框 6">
+            <a:hlinkClick r:id="rId2"/>
+            <a:extLst>
+              <a:ext uri="{FF2B5EF4-FFF2-40B4-BE49-F238E27FC236}">
+                <a16:creationId xmlns:a16="http://schemas.microsoft.com/office/drawing/2014/main" id="{9CEDF533-6D38-4625-BCFA-5AED8639605A}"/>
+              </a:ext>
+            </a:extLst>
+          </p:cNvPr>
+          <p:cNvSpPr txBox="1"/>
+          <p:nvPr/>
+        </p:nvSpPr>
+        <p:spPr>
+          <a:xfrm>
+            <a:off x="3635896" y="1124744"/>
+            <a:ext cx="3833462" cy="1077218"/>
+          </a:xfrm>
+          <a:prstGeom prst="rect">
+            <a:avLst/>
+          </a:prstGeom>
+          <a:noFill/>
+        </p:spPr>
+        <p:txBody>
+          <a:bodyPr wrap="square">
+            <a:spAutoFit/>
+          </a:bodyPr>
+          <a:lstStyle/>
+          <a:p>
+            <a:pPr algn="l"/>
+            <a:r>
+              <a:rPr lang="da-DK" b="1" i="0" dirty="0">
+                <a:solidFill>
+                  <a:srgbClr val="000000"/>
+                </a:solidFill>
+                <a:effectLst/>
+                <a:latin typeface="NexusSans"/>
+                <a:hlinkClick r:id="rId2"/>
+              </a:rPr>
+              <a:t>Mendeley Reference Manager for Desktop</a:t>
+            </a:r>
+            <a:endParaRPr lang="da-DK" b="1" i="0" dirty="0">
+              <a:solidFill>
+                <a:srgbClr val="000000"/>
+              </a:solidFill>
+              <a:effectLst/>
+              <a:latin typeface="NexusSans"/>
+            </a:endParaRPr>
+          </a:p>
+        </p:txBody>
+      </p:sp>
+      <p:sp>
+        <p:nvSpPr>
+          <p:cNvPr id="3" name="文本框 2">
+            <a:extLst>
+              <a:ext uri="{FF2B5EF4-FFF2-40B4-BE49-F238E27FC236}">
+                <a16:creationId xmlns:a16="http://schemas.microsoft.com/office/drawing/2014/main" id="{3FD647A3-E420-4EF0-8591-6D1DE29CF8B5}"/>
+              </a:ext>
+            </a:extLst>
+          </p:cNvPr>
+          <p:cNvSpPr txBox="1"/>
+          <p:nvPr/>
+        </p:nvSpPr>
+        <p:spPr>
+          <a:xfrm>
+            <a:off x="1547813" y="3789040"/>
+            <a:ext cx="1826141" cy="584775"/>
+          </a:xfrm>
+          <a:prstGeom prst="rect">
+            <a:avLst/>
+          </a:prstGeom>
+          <a:noFill/>
+          <a:ln w="38100">
+            <a:solidFill>
+              <a:srgbClr val="FF0000"/>
+            </a:solidFill>
+          </a:ln>
+        </p:spPr>
+        <p:txBody>
+          <a:bodyPr wrap="none" rtlCol="0">
+            <a:spAutoFit/>
+          </a:bodyPr>
+          <a:lstStyle/>
+          <a:p>
+            <a:r>
+              <a:rPr lang="zh-CN" altLang="en-US" dirty="0"/>
+              <a:t>文献导入</a:t>
+            </a:r>
+            <a:endParaRPr lang="en-US" dirty="0"/>
+          </a:p>
+        </p:txBody>
+      </p:sp>
+      <p:sp>
+        <p:nvSpPr>
+          <p:cNvPr id="10" name="文本框 9">
+            <a:extLst>
+              <a:ext uri="{FF2B5EF4-FFF2-40B4-BE49-F238E27FC236}">
+                <a16:creationId xmlns:a16="http://schemas.microsoft.com/office/drawing/2014/main" id="{9F716775-AA0F-4750-BE59-821CBA570564}"/>
+              </a:ext>
+            </a:extLst>
+          </p:cNvPr>
+          <p:cNvSpPr txBox="1"/>
+          <p:nvPr/>
+        </p:nvSpPr>
+        <p:spPr>
+          <a:xfrm>
+            <a:off x="1547812" y="4733925"/>
+            <a:ext cx="2727798" cy="584775"/>
+          </a:xfrm>
+          <a:prstGeom prst="rect">
+            <a:avLst/>
+          </a:prstGeom>
+          <a:noFill/>
+          <a:ln w="38100">
+            <a:solidFill>
+              <a:srgbClr val="FF0000"/>
+            </a:solidFill>
+          </a:ln>
+        </p:spPr>
+        <p:txBody>
+          <a:bodyPr wrap="none" rtlCol="0">
+            <a:spAutoFit/>
+          </a:bodyPr>
+          <a:lstStyle/>
+          <a:p>
+            <a:r>
+              <a:rPr lang="en-US" altLang="zh-CN" dirty="0"/>
+              <a:t>Word</a:t>
+            </a:r>
+            <a:r>
+              <a:rPr lang="zh-CN" altLang="en-US" dirty="0"/>
+              <a:t>文献引用</a:t>
+            </a:r>
+            <a:endParaRPr lang="en-US" dirty="0"/>
+          </a:p>
+        </p:txBody>
+      </p:sp>
+      <p:sp>
+        <p:nvSpPr>
+          <p:cNvPr id="4" name="文本框 3">
+            <a:extLst>
+              <a:ext uri="{FF2B5EF4-FFF2-40B4-BE49-F238E27FC236}">
+                <a16:creationId xmlns:a16="http://schemas.microsoft.com/office/drawing/2014/main" id="{488DB3DC-1AAB-4935-BE41-B1519EE45058}"/>
+              </a:ext>
+            </a:extLst>
+          </p:cNvPr>
+          <p:cNvSpPr txBox="1"/>
+          <p:nvPr/>
+        </p:nvSpPr>
+        <p:spPr>
+          <a:xfrm>
+            <a:off x="3775353" y="3789039"/>
+            <a:ext cx="2954655" cy="461665"/>
+          </a:xfrm>
+          <a:prstGeom prst="rect">
+            <a:avLst/>
+          </a:prstGeom>
+          <a:noFill/>
+        </p:spPr>
+        <p:txBody>
+          <a:bodyPr wrap="none" rtlCol="0">
+            <a:spAutoFit/>
+          </a:bodyPr>
+          <a:lstStyle/>
+          <a:p>
+            <a:r>
+              <a:rPr lang="zh-CN" altLang="en-US" sz="2400" dirty="0"/>
+              <a:t>基于搜索引擎的导入</a:t>
+            </a:r>
+            <a:endParaRPr lang="en-US" sz="2400" dirty="0"/>
+          </a:p>
+        </p:txBody>
+      </p:sp>
+      <p:sp>
+        <p:nvSpPr>
+          <p:cNvPr id="11" name="文本框 10">
+            <a:extLst>
+              <a:ext uri="{FF2B5EF4-FFF2-40B4-BE49-F238E27FC236}">
+                <a16:creationId xmlns:a16="http://schemas.microsoft.com/office/drawing/2014/main" id="{59FCC860-DCA4-429E-AEB8-DE93F71992E4}"/>
+              </a:ext>
+            </a:extLst>
+          </p:cNvPr>
+          <p:cNvSpPr txBox="1"/>
+          <p:nvPr/>
+        </p:nvSpPr>
+        <p:spPr>
+          <a:xfrm>
+            <a:off x="4488838" y="4733924"/>
+            <a:ext cx="4185761" cy="461665"/>
+          </a:xfrm>
+          <a:prstGeom prst="rect">
+            <a:avLst/>
+          </a:prstGeom>
+          <a:noFill/>
+        </p:spPr>
+        <p:txBody>
+          <a:bodyPr wrap="none" rtlCol="0">
+            <a:spAutoFit/>
+          </a:bodyPr>
+          <a:lstStyle/>
+          <a:p>
+            <a:r>
+              <a:rPr lang="zh-CN" altLang="en-US" sz="2400" dirty="0"/>
+              <a:t>自动引用和参考文献自动生成</a:t>
+            </a:r>
+            <a:endParaRPr lang="en-US" sz="2400" dirty="0"/>
+          </a:p>
+        </p:txBody>
+      </p:sp>
+    </p:spTree>
+    <p:extLst>
+      <p:ext uri="{BB962C8B-B14F-4D97-AF65-F5344CB8AC3E}">
+        <p14:creationId xmlns:p14="http://schemas.microsoft.com/office/powerpoint/2010/main" val="1089929161"/>
+      </p:ext>
+    </p:extLst>
+  </p:cSld>
+  <p:clrMapOvr>
+    <a:masterClrMapping/>
+  </p:clrMapOvr>
+  <p:timing>
+    <p:tnLst>
+      <p:par>
+        <p:cTn id="1" dur="indefinite" restart="never" nodeType="tmRoot">
+          <p:childTnLst>
+            <p:seq concurrent="1" nextAc="seek">
+              <p:cTn id="2" dur="indefinite" nodeType="mainSeq">
+                <p:childTnLst>
+                  <p:par>
+                    <p:cTn id="3" fill="hold">
+                      <p:stCondLst>
+                        <p:cond delay="indefinite"/>
+                      </p:stCondLst>
+                      <p:childTnLst>
+                        <p:par>
+                          <p:cTn id="4" fill="hold">
+                            <p:stCondLst>
+                              <p:cond delay="0"/>
+                            </p:stCondLst>
+                            <p:childTnLst>
+                              <p:par>
+                                <p:cTn id="5" presetID="3" presetClass="entr" presetSubtype="10" fill="hold" grpId="0" nodeType="clickEffect">
+                                  <p:stCondLst>
+                                    <p:cond delay="0"/>
+                                  </p:stCondLst>
+                                  <p:childTnLst>
+                                    <p:set>
+                                      <p:cBhvr>
+                                        <p:cTn id="6" dur="1" fill="hold">
+                                          <p:stCondLst>
+                                            <p:cond delay="0"/>
+                                          </p:stCondLst>
+                                        </p:cTn>
+                                        <p:tgtEl>
+                                          <p:spTgt spid="46084"/>
+                                        </p:tgtEl>
+                                        <p:attrNameLst>
+                                          <p:attrName>style.visibility</p:attrName>
+                                        </p:attrNameLst>
+                                      </p:cBhvr>
+                                      <p:to>
+                                        <p:strVal val="visible"/>
+                                      </p:to>
+                                    </p:set>
+                                    <p:animEffect transition="in" filter="blinds(horizontal)">
+                                      <p:cBhvr>
+                                        <p:cTn id="7" dur="500"/>
+                                        <p:tgtEl>
+                                          <p:spTgt spid="46084"/>
+                                        </p:tgtEl>
+                                      </p:cBhvr>
+                                    </p:animEffect>
+                                  </p:childTnLst>
+                                </p:cTn>
+                              </p:par>
+                            </p:childTnLst>
+                          </p:cTn>
+                        </p:par>
+                      </p:childTnLst>
+                    </p:cTn>
+                  </p:par>
+                </p:childTnLst>
+              </p:cTn>
+              <p:prevCondLst>
+                <p:cond evt="onPrev" delay="0">
+                  <p:tgtEl>
+                    <p:sldTgt/>
+                  </p:tgtEl>
+                </p:cond>
+              </p:prevCondLst>
+              <p:nextCondLst>
+                <p:cond evt="onNext" delay="0">
+                  <p:tgtEl>
+                    <p:sldTgt/>
+                  </p:tgtEl>
+                </p:cond>
+              </p:nextCondLst>
+            </p:seq>
+          </p:childTnLst>
+        </p:cTn>
+      </p:par>
+    </p:tnLst>
+    <p:bldLst>
+      <p:bldP spid="46084" grpId="0"/>
+    </p:bldLst>
+  </p:timing>
+</p:sld>
+</file>
+
+<file path=ppt/slides/slide9.xml><?xml version="1.0" encoding="utf-8"?>
+<p:sld xmlns:a="http://schemas.openxmlformats.org/drawingml/2006/main" xmlns:r="http://schemas.openxmlformats.org/officeDocument/2006/relationships" xmlns:p="http://schemas.openxmlformats.org/presentationml/2006/main">
+  <p:cSld>
+    <p:spTree>
+      <p:nvGrpSpPr>
+        <p:cNvPr id="1" name=""/>
+        <p:cNvGrpSpPr/>
+        <p:nvPr/>
+      </p:nvGrpSpPr>
+      <p:grpSpPr>
+        <a:xfrm>
+          <a:off x="0" y="0"/>
+          <a:ext cx="0" cy="0"/>
+          <a:chOff x="0" y="0"/>
+          <a:chExt cx="0" cy="0"/>
+        </a:xfrm>
+      </p:grpSpPr>
+      <p:sp>
+        <p:nvSpPr>
+          <p:cNvPr id="46082" name="灯片编号占位符 5"/>
+          <p:cNvSpPr txBox="1">
+            <a:spLocks noGrp="1"/>
+          </p:cNvSpPr>
+          <p:nvPr>
+            <p:ph type="sldNum" sz="quarter" idx="12"/>
+          </p:nvPr>
+        </p:nvSpPr>
+        <p:spPr>
+          <a:xfrm>
+            <a:off x="8459788" y="6381750"/>
+            <a:ext cx="576262" cy="457200"/>
+          </a:xfrm>
+        </p:spPr>
+        <p:txBody>
+          <a:bodyPr/>
+          <a:lstStyle/>
+          <a:p>
+            <a:pPr marL="0" indent="0" algn="r" eaLnBrk="1" hangingPunct="1">
+              <a:spcBef>
+                <a:spcPct val="0"/>
+              </a:spcBef>
+              <a:buNone/>
+            </a:pPr>
+            <a:fld id="{9A0DB2DC-4C9A-4742-B13C-FB6460FD3503}" type="slidenum">
+              <a:rPr lang="en-US" altLang="zh-CN" sz="2000" dirty="0"/>
+              <a:t>9</a:t>
+            </a:fld>
+            <a:endParaRPr lang="en-US" altLang="zh-CN" sz="2000" dirty="0"/>
+          </a:p>
+        </p:txBody>
+      </p:sp>
+      <p:sp>
+        <p:nvSpPr>
+          <p:cNvPr id="9" name="Rectangle 2"/>
+          <p:cNvSpPr>
+            <a:spLocks noGrp="1" noChangeArrowheads="1"/>
+          </p:cNvSpPr>
+          <p:nvPr>
+            <p:ph type="title"/>
+          </p:nvPr>
+        </p:nvSpPr>
+        <p:spPr>
+          <a:xfrm>
+            <a:off x="1547813" y="44450"/>
+            <a:ext cx="6624638" cy="792163"/>
+          </a:xfrm>
+        </p:spPr>
+        <p:txBody>
+          <a:bodyPr vert="horz" wrap="square" lIns="91440" tIns="45720" rIns="91440" bIns="45720" numCol="1" anchor="ctr" anchorCtr="0" compatLnSpc="1"/>
+          <a:lstStyle/>
+          <a:p>
+            <a:pPr marL="0" marR="0" lvl="0" indent="0" algn="ctr" defTabSz="914400" rtl="0" eaLnBrk="1" fontAlgn="base" latinLnBrk="0" hangingPunct="1">
+              <a:lnSpc>
+                <a:spcPct val="100000"/>
+              </a:lnSpc>
+              <a:spcBef>
+                <a:spcPct val="0"/>
+              </a:spcBef>
+              <a:spcAft>
+                <a:spcPct val="0"/>
+              </a:spcAft>
+              <a:buClrTx/>
+              <a:buSzTx/>
+              <a:buFontTx/>
+              <a:buNone/>
+              <a:defRPr/>
+            </a:pPr>
+            <a:r>
+              <a:rPr kumimoji="1" lang="zh-CN" altLang="en-US" sz="4800" b="1" i="0" u="none" strike="noStrike" kern="0" cap="none" spc="0" normalizeH="0" baseline="0" noProof="0" dirty="0">
+                <a:ln>
+                  <a:noFill/>
+                </a:ln>
+                <a:solidFill>
+                  <a:srgbClr val="0000FF"/>
+                </a:solidFill>
+                <a:effectLst>
+                  <a:outerShdw blurRad="38100" dist="38100" dir="2700000" algn="tl">
+                    <a:srgbClr val="000000"/>
+                  </a:outerShdw>
+                </a:effectLst>
+                <a:uLnTx/>
+                <a:uFillTx/>
+                <a:latin typeface="宋体" panose="02010600030101010101" pitchFamily="2" charset="-122"/>
+                <a:ea typeface="+mj-ea"/>
+                <a:cs typeface="+mj-cs"/>
+              </a:rPr>
+              <a:t>第四章 </a:t>
+            </a:r>
+            <a:r>
+              <a:rPr kumimoji="1" lang="en-US" altLang="zh-CN" sz="4800" b="1" i="0" u="none" strike="noStrike" kern="0" cap="none" spc="0" normalizeH="0" baseline="0" noProof="0" dirty="0" err="1">
+                <a:ln>
+                  <a:noFill/>
+                </a:ln>
+                <a:solidFill>
+                  <a:srgbClr val="0000FF"/>
+                </a:solidFill>
+                <a:effectLst>
+                  <a:outerShdw blurRad="38100" dist="38100" dir="2700000" algn="tl">
+                    <a:srgbClr val="000000"/>
+                  </a:outerShdw>
+                </a:effectLst>
+                <a:uLnTx/>
+                <a:uFillTx/>
+                <a:latin typeface="宋体" panose="02010600030101010101" pitchFamily="2" charset="-122"/>
+                <a:ea typeface="+mj-ea"/>
+                <a:cs typeface="+mj-cs"/>
+              </a:rPr>
+              <a:t>Colab</a:t>
+            </a:r>
+            <a:r>
+              <a:rPr kumimoji="1" lang="en-US" altLang="zh-CN" sz="4800" b="1" i="0" u="none" strike="noStrike" kern="0" cap="none" spc="0" normalizeH="0" baseline="0" noProof="0" dirty="0">
+                <a:ln>
+                  <a:noFill/>
+                </a:ln>
+                <a:solidFill>
+                  <a:srgbClr val="0000FF"/>
+                </a:solidFill>
+                <a:effectLst>
+                  <a:outerShdw blurRad="38100" dist="38100" dir="2700000" algn="tl">
+                    <a:srgbClr val="000000"/>
+                  </a:outerShdw>
+                </a:effectLst>
+                <a:uLnTx/>
+                <a:uFillTx/>
+                <a:latin typeface="宋体" panose="02010600030101010101" pitchFamily="2" charset="-122"/>
+                <a:ea typeface="+mj-ea"/>
+                <a:cs typeface="+mj-cs"/>
+              </a:rPr>
+              <a:t> </a:t>
+            </a:r>
+            <a:endParaRPr kumimoji="1" lang="zh-CN" altLang="en-US" sz="4800" b="1" i="0" u="none" strike="noStrike" kern="0" cap="none" spc="0" normalizeH="0" baseline="0" noProof="0" dirty="0">
+              <a:ln>
+                <a:noFill/>
+              </a:ln>
+              <a:solidFill>
+                <a:srgbClr val="0000FF"/>
+              </a:solidFill>
+              <a:effectLst>
+                <a:outerShdw blurRad="38100" dist="38100" dir="2700000" algn="tl">
+                  <a:srgbClr val="000000"/>
+                </a:outerShdw>
+              </a:effectLst>
+              <a:uLnTx/>
+              <a:uFillTx/>
+              <a:latin typeface="宋体" panose="02010600030101010101" pitchFamily="2" charset="-122"/>
+              <a:ea typeface="+mj-ea"/>
+              <a:cs typeface="+mj-cs"/>
+            </a:endParaRPr>
+          </a:p>
+        </p:txBody>
+      </p:sp>
+      <p:sp>
+        <p:nvSpPr>
+          <p:cNvPr id="12" name="文本框 11">
+            <a:extLst>
+              <a:ext uri="{FF2B5EF4-FFF2-40B4-BE49-F238E27FC236}">
+                <a16:creationId xmlns:a16="http://schemas.microsoft.com/office/drawing/2014/main" id="{3B6B838D-262E-492B-A109-AC450DEAFF94}"/>
+              </a:ext>
+            </a:extLst>
+          </p:cNvPr>
+          <p:cNvSpPr txBox="1"/>
+          <p:nvPr/>
+        </p:nvSpPr>
+        <p:spPr>
+          <a:xfrm>
+            <a:off x="2267744" y="1916831"/>
+            <a:ext cx="6624638" cy="584775"/>
+          </a:xfrm>
+          <a:prstGeom prst="rect">
+            <a:avLst/>
+          </a:prstGeom>
+          <a:noFill/>
+        </p:spPr>
+        <p:txBody>
+          <a:bodyPr wrap="square">
+            <a:spAutoFit/>
+          </a:bodyPr>
+          <a:lstStyle/>
+          <a:p>
+            <a:r>
+              <a:rPr lang="en-US" dirty="0">
+                <a:hlinkClick r:id="rId2"/>
+              </a:rPr>
+              <a:t>https://colab.research.google.com/</a:t>
+            </a:r>
+            <a:endParaRPr lang="en-US" dirty="0"/>
+          </a:p>
+        </p:txBody>
+      </p:sp>
+      <p:sp>
+        <p:nvSpPr>
+          <p:cNvPr id="5" name="文本框 4">
+            <a:extLst>
+              <a:ext uri="{FF2B5EF4-FFF2-40B4-BE49-F238E27FC236}">
+                <a16:creationId xmlns:a16="http://schemas.microsoft.com/office/drawing/2014/main" id="{47461CAD-F523-4E08-9150-A2D5B53A2B82}"/>
+              </a:ext>
+            </a:extLst>
+          </p:cNvPr>
+          <p:cNvSpPr txBox="1"/>
+          <p:nvPr/>
+        </p:nvSpPr>
+        <p:spPr>
+          <a:xfrm>
+            <a:off x="988227" y="1916832"/>
+            <a:ext cx="1279517" cy="584775"/>
+          </a:xfrm>
+          <a:prstGeom prst="rect">
+            <a:avLst/>
+          </a:prstGeom>
+          <a:noFill/>
+        </p:spPr>
+        <p:txBody>
+          <a:bodyPr wrap="none" rtlCol="0">
+            <a:spAutoFit/>
+          </a:bodyPr>
+          <a:lstStyle/>
+          <a:p>
+            <a:r>
+              <a:rPr lang="en-US" dirty="0" err="1"/>
+              <a:t>Colab</a:t>
+            </a:r>
+            <a:r>
+              <a:rPr lang="en-US" dirty="0"/>
+              <a:t>:</a:t>
+            </a:r>
+          </a:p>
+        </p:txBody>
+      </p:sp>
+      <p:sp>
+        <p:nvSpPr>
+          <p:cNvPr id="6" name="文本框 5">
+            <a:extLst>
+              <a:ext uri="{FF2B5EF4-FFF2-40B4-BE49-F238E27FC236}">
+                <a16:creationId xmlns:a16="http://schemas.microsoft.com/office/drawing/2014/main" id="{7A2CC28F-027B-481B-97C7-8BCBC2A9517F}"/>
+              </a:ext>
+            </a:extLst>
+          </p:cNvPr>
+          <p:cNvSpPr txBox="1"/>
+          <p:nvPr/>
+        </p:nvSpPr>
+        <p:spPr>
+          <a:xfrm>
+            <a:off x="899592" y="1039668"/>
+            <a:ext cx="3877985" cy="584775"/>
+          </a:xfrm>
+          <a:prstGeom prst="rect">
+            <a:avLst/>
+          </a:prstGeom>
+          <a:noFill/>
+        </p:spPr>
+        <p:txBody>
+          <a:bodyPr wrap="none" rtlCol="0">
+            <a:spAutoFit/>
+          </a:bodyPr>
+          <a:lstStyle/>
+          <a:p>
+            <a:r>
+              <a:rPr lang="zh-CN" altLang="en-US" dirty="0"/>
+              <a:t>免费机器学习平台：</a:t>
+            </a:r>
+            <a:endParaRPr lang="en-US" dirty="0"/>
+          </a:p>
+        </p:txBody>
+      </p:sp>
       <p:pic>
         <p:nvPicPr>
-          <p:cNvPr id="8" name="图片 7"/>
+          <p:cNvPr id="13" name="图片 12">
+            <a:extLst>
+              <a:ext uri="{FF2B5EF4-FFF2-40B4-BE49-F238E27FC236}">
+                <a16:creationId xmlns:a16="http://schemas.microsoft.com/office/drawing/2014/main" id="{183F1958-7086-425A-B16F-FAA217DE615C}"/>
+              </a:ext>
+            </a:extLst>
+          </p:cNvPr>
           <p:cNvPicPr>
             <a:picLocks noChangeAspect="1"/>
           </p:cNvPicPr>
-          <p:nvPr userDrawn="1">
-            <p:custDataLst>
-              <p:tags r:id="rId2"/>
-            </p:custDataLst>
-          </p:nvPr>
+          <p:nvPr/>
         </p:nvPicPr>
         <p:blipFill>
-          <a:blip r:embed="rId5"/>
+          <a:blip r:embed="rId3"/>
           <a:stretch>
             <a:fillRect/>
           </a:stretch>
         </p:blipFill>
         <p:spPr>
           <a:xfrm>
-            <a:off x="48577" y="249238"/>
-            <a:ext cx="1127284" cy="1068705"/>
+            <a:off x="1187079" y="2501606"/>
+            <a:ext cx="7560840" cy="4252972"/>
           </a:xfrm>
           <a:prstGeom prst="rect">
             <a:avLst/>
           </a:prstGeom>
         </p:spPr>
       </p:pic>
-      <p:sp>
-        <p:nvSpPr>
-          <p:cNvPr id="2" name="标题 1"/>
-          <p:cNvSpPr>
-            <a:spLocks noGrp="1"/>
-          </p:cNvSpPr>
-          <p:nvPr>
-            <p:ph type="title" idx="4294967295"/>
-          </p:nvPr>
-        </p:nvSpPr>
-        <p:spPr>
-          <a:xfrm>
-            <a:off x="827405" y="44133"/>
-            <a:ext cx="7943850" cy="815975"/>
-          </a:xfrm>
-          <a:noFill/>
-          <a:ln w="9525">
-            <a:noFill/>
-          </a:ln>
-        </p:spPr>
-        <p:txBody>
-          <a:bodyPr vert="horz" wrap="square" lIns="90170" tIns="46990" rIns="90170" bIns="46990" rtlCol="0" anchor="ctr" anchorCtr="0">
-            <a:noAutofit/>
-          </a:bodyPr>
-          <a:lstStyle>
-            <a:lvl1pPr algn="ctr" rtl="0" eaLnBrk="0" fontAlgn="base" hangingPunct="0">
-              <a:spcBef>
-                <a:spcPct val="0"/>
-              </a:spcBef>
-              <a:spcAft>
-                <a:spcPct val="0"/>
-              </a:spcAft>
-              <a:defRPr kumimoji="1" sz="4400">
-                <a:solidFill>
-                  <a:schemeClr val="tx2"/>
-                </a:solidFill>
-                <a:latin typeface="+mj-lt"/>
-                <a:ea typeface="+mj-ea"/>
-                <a:cs typeface="+mj-cs"/>
-              </a:defRPr>
-            </a:lvl1pPr>
-            <a:lvl2pPr algn="ctr" rtl="0" eaLnBrk="0" fontAlgn="base" hangingPunct="0">
-              <a:spcBef>
-                <a:spcPct val="0"/>
-              </a:spcBef>
-              <a:spcAft>
-                <a:spcPct val="0"/>
-              </a:spcAft>
-              <a:defRPr kumimoji="1" sz="4400">
-                <a:solidFill>
-                  <a:schemeClr val="tx2"/>
-                </a:solidFill>
-                <a:latin typeface="Times New Roman" panose="02020603050405020304" pitchFamily="18" charset="0"/>
-                <a:ea typeface="宋体" panose="02010600030101010101" pitchFamily="2" charset="-122"/>
-              </a:defRPr>
-            </a:lvl2pPr>
-            <a:lvl3pPr algn="ctr" rtl="0" eaLnBrk="0" fontAlgn="base" hangingPunct="0">
-              <a:spcBef>
-                <a:spcPct val="0"/>
-              </a:spcBef>
-              <a:spcAft>
-                <a:spcPct val="0"/>
-              </a:spcAft>
-              <a:defRPr kumimoji="1" sz="4400">
-                <a:solidFill>
-                  <a:schemeClr val="tx2"/>
-                </a:solidFill>
-                <a:latin typeface="Times New Roman" panose="02020603050405020304" pitchFamily="18" charset="0"/>
-                <a:ea typeface="宋体" panose="02010600030101010101" pitchFamily="2" charset="-122"/>
-              </a:defRPr>
-            </a:lvl3pPr>
-            <a:lvl4pPr algn="ctr" rtl="0" eaLnBrk="0" fontAlgn="base" hangingPunct="0">
-              <a:spcBef>
-                <a:spcPct val="0"/>
-              </a:spcBef>
-              <a:spcAft>
-                <a:spcPct val="0"/>
-              </a:spcAft>
-              <a:defRPr kumimoji="1" sz="4400">
-                <a:solidFill>
-                  <a:schemeClr val="tx2"/>
-                </a:solidFill>
-                <a:latin typeface="Times New Roman" panose="02020603050405020304" pitchFamily="18" charset="0"/>
-                <a:ea typeface="宋体" panose="02010600030101010101" pitchFamily="2" charset="-122"/>
-              </a:defRPr>
-            </a:lvl4pPr>
-            <a:lvl5pPr algn="ctr" rtl="0" eaLnBrk="0" fontAlgn="base" hangingPunct="0">
-              <a:spcBef>
-                <a:spcPct val="0"/>
-              </a:spcBef>
-              <a:spcAft>
-                <a:spcPct val="0"/>
-              </a:spcAft>
-              <a:defRPr kumimoji="1" sz="4400">
-                <a:solidFill>
-                  <a:schemeClr val="tx2"/>
-                </a:solidFill>
-                <a:latin typeface="Times New Roman" panose="02020603050405020304" pitchFamily="18" charset="0"/>
-                <a:ea typeface="宋体" panose="02010600030101010101" pitchFamily="2" charset="-122"/>
-              </a:defRPr>
-            </a:lvl5pPr>
-            <a:lvl6pPr marL="457200" algn="ctr" rtl="0" fontAlgn="base">
-              <a:spcBef>
-                <a:spcPct val="0"/>
-              </a:spcBef>
-              <a:spcAft>
-                <a:spcPct val="0"/>
-              </a:spcAft>
-              <a:defRPr kumimoji="1" sz="4400">
-                <a:solidFill>
-                  <a:schemeClr val="tx2"/>
-                </a:solidFill>
-                <a:latin typeface="Times New Roman" panose="02020603050405020304" pitchFamily="18" charset="0"/>
-                <a:ea typeface="宋体" panose="02010600030101010101" pitchFamily="2" charset="-122"/>
-              </a:defRPr>
-            </a:lvl6pPr>
-            <a:lvl7pPr marL="914400" algn="ctr" rtl="0" fontAlgn="base">
-              <a:spcBef>
-                <a:spcPct val="0"/>
-              </a:spcBef>
-              <a:spcAft>
-                <a:spcPct val="0"/>
-              </a:spcAft>
-              <a:defRPr kumimoji="1" sz="4400">
-                <a:solidFill>
-                  <a:schemeClr val="tx2"/>
-                </a:solidFill>
-                <a:latin typeface="Times New Roman" panose="02020603050405020304" pitchFamily="18" charset="0"/>
-                <a:ea typeface="宋体" panose="02010600030101010101" pitchFamily="2" charset="-122"/>
-              </a:defRPr>
-            </a:lvl7pPr>
-            <a:lvl8pPr marL="1371600" algn="ctr" rtl="0" fontAlgn="base">
-              <a:spcBef>
-                <a:spcPct val="0"/>
-              </a:spcBef>
-              <a:spcAft>
-                <a:spcPct val="0"/>
-              </a:spcAft>
-              <a:defRPr kumimoji="1" sz="4400">
-                <a:solidFill>
-                  <a:schemeClr val="tx2"/>
-                </a:solidFill>
-                <a:latin typeface="Times New Roman" panose="02020603050405020304" pitchFamily="18" charset="0"/>
-                <a:ea typeface="宋体" panose="02010600030101010101" pitchFamily="2" charset="-122"/>
-              </a:defRPr>
-            </a:lvl8pPr>
-            <a:lvl9pPr marL="1828800" algn="ctr" rtl="0" fontAlgn="base">
-              <a:spcBef>
-                <a:spcPct val="0"/>
-              </a:spcBef>
-              <a:spcAft>
-                <a:spcPct val="0"/>
-              </a:spcAft>
-              <a:defRPr kumimoji="1" sz="4400">
-                <a:solidFill>
-                  <a:schemeClr val="tx2"/>
-                </a:solidFill>
-                <a:latin typeface="Times New Roman" panose="02020603050405020304" pitchFamily="18" charset="0"/>
-                <a:ea typeface="宋体" panose="02010600030101010101" pitchFamily="2" charset="-122"/>
-              </a:defRPr>
-            </a:lvl9pPr>
-          </a:lstStyle>
-          <a:p>
-            <a:pPr lvl="0" algn="ctr" defTabSz="914400">
-              <a:buClrTx/>
-              <a:buSzTx/>
-              <a:buFontTx/>
-            </a:pPr>
-            <a:r>
-              <a:rPr lang="zh-CN" altLang="en-US" b="0" spc="0" dirty="0">
-                <a:solidFill>
-                  <a:schemeClr val="accent1">
-                    <a:lumMod val="75000"/>
-                  </a:schemeClr>
-                </a:solidFill>
-                <a:latin typeface="黑体" panose="02010609060101010101" charset="-122"/>
-                <a:ea typeface="黑体" panose="02010609060101010101" charset="-122"/>
-                <a:cs typeface="黑体" panose="02010609060101010101" charset="-122"/>
-                <a:sym typeface="+mn-ea"/>
-              </a:rPr>
-              <a:t>第四讲 作业</a:t>
-            </a:r>
-          </a:p>
-        </p:txBody>
-      </p:sp>
-      <p:sp>
-        <p:nvSpPr>
-          <p:cNvPr id="3" name="内容占位符 2"/>
-          <p:cNvSpPr>
-            <a:spLocks noGrp="1"/>
-          </p:cNvSpPr>
-          <p:nvPr>
-            <p:ph sz="half" idx="4294967295"/>
-            <p:custDataLst>
-              <p:tags r:id="rId3"/>
-            </p:custDataLst>
-          </p:nvPr>
-        </p:nvSpPr>
-        <p:spPr>
-          <a:xfrm>
-            <a:off x="764540" y="1268730"/>
-            <a:ext cx="7623884" cy="4598670"/>
-          </a:xfrm>
-          <a:noFill/>
-          <a:ln w="9525">
-            <a:noFill/>
-          </a:ln>
-        </p:spPr>
-        <p:txBody>
-          <a:bodyPr vert="horz" wrap="square" lIns="90170" tIns="46990" rIns="90170" bIns="46990" rtlCol="0" anchor="t">
-            <a:noAutofit/>
-          </a:bodyPr>
-          <a:lstStyle>
-            <a:lvl1pPr marL="342900" indent="-342900" algn="l" rtl="0" eaLnBrk="0" fontAlgn="base" hangingPunct="0">
-              <a:spcBef>
-                <a:spcPct val="20000"/>
-              </a:spcBef>
-              <a:spcAft>
-                <a:spcPct val="0"/>
-              </a:spcAft>
-              <a:buChar char="•"/>
-              <a:defRPr kumimoji="1" sz="2800">
-                <a:solidFill>
-                  <a:schemeClr val="tx1"/>
-                </a:solidFill>
-                <a:latin typeface="+mn-lt"/>
-                <a:ea typeface="+mn-ea"/>
-                <a:cs typeface="+mn-cs"/>
-              </a:defRPr>
-            </a:lvl1pPr>
-            <a:lvl2pPr marL="742950" indent="-285750" algn="l" rtl="0" eaLnBrk="0" fontAlgn="base" hangingPunct="0">
-              <a:spcBef>
-                <a:spcPct val="20000"/>
-              </a:spcBef>
-              <a:spcAft>
-                <a:spcPct val="0"/>
-              </a:spcAft>
-              <a:buChar char="–"/>
-              <a:defRPr kumimoji="1" sz="2400">
-                <a:solidFill>
-                  <a:schemeClr val="tx1"/>
-                </a:solidFill>
-                <a:latin typeface="+mn-lt"/>
-                <a:ea typeface="+mn-ea"/>
-              </a:defRPr>
-            </a:lvl2pPr>
-            <a:lvl3pPr marL="1143000" indent="-228600" algn="l" rtl="0" eaLnBrk="0" fontAlgn="base" hangingPunct="0">
-              <a:spcBef>
-                <a:spcPct val="20000"/>
-              </a:spcBef>
-              <a:spcAft>
-                <a:spcPct val="0"/>
-              </a:spcAft>
-              <a:buChar char="•"/>
-              <a:defRPr kumimoji="1" sz="2000">
-                <a:solidFill>
-                  <a:schemeClr val="tx1"/>
-                </a:solidFill>
-                <a:latin typeface="+mn-lt"/>
-                <a:ea typeface="+mn-ea"/>
-              </a:defRPr>
-            </a:lvl3pPr>
-            <a:lvl4pPr marL="1600200" indent="-228600" algn="l" rtl="0" eaLnBrk="0" fontAlgn="base" hangingPunct="0">
-              <a:spcBef>
-                <a:spcPct val="20000"/>
-              </a:spcBef>
-              <a:spcAft>
-                <a:spcPct val="0"/>
-              </a:spcAft>
-              <a:buChar char="–"/>
-              <a:defRPr kumimoji="1" sz="1800">
-                <a:solidFill>
-                  <a:schemeClr val="tx1"/>
-                </a:solidFill>
-                <a:latin typeface="+mn-lt"/>
-                <a:ea typeface="+mn-ea"/>
-              </a:defRPr>
-            </a:lvl4pPr>
-            <a:lvl5pPr marL="2057400" indent="-228600" algn="l" rtl="0" eaLnBrk="0" fontAlgn="base" hangingPunct="0">
-              <a:spcBef>
-                <a:spcPct val="20000"/>
-              </a:spcBef>
-              <a:spcAft>
-                <a:spcPct val="0"/>
-              </a:spcAft>
-              <a:buChar char="»"/>
-              <a:defRPr kumimoji="1" sz="1800">
-                <a:solidFill>
-                  <a:schemeClr val="tx1"/>
-                </a:solidFill>
-                <a:latin typeface="+mn-lt"/>
-                <a:ea typeface="+mn-ea"/>
-              </a:defRPr>
-            </a:lvl5pPr>
-            <a:lvl6pPr marL="2514600" indent="-228600" algn="l" rtl="0" fontAlgn="base">
-              <a:spcBef>
-                <a:spcPct val="20000"/>
-              </a:spcBef>
-              <a:spcAft>
-                <a:spcPct val="0"/>
-              </a:spcAft>
-              <a:buChar char="»"/>
-              <a:defRPr kumimoji="1" sz="1800">
-                <a:solidFill>
-                  <a:schemeClr val="tx1"/>
-                </a:solidFill>
-                <a:latin typeface="+mn-lt"/>
-                <a:ea typeface="+mn-ea"/>
-              </a:defRPr>
-            </a:lvl6pPr>
-            <a:lvl7pPr marL="2971800" indent="-228600" algn="l" rtl="0" fontAlgn="base">
-              <a:spcBef>
-                <a:spcPct val="20000"/>
-              </a:spcBef>
-              <a:spcAft>
-                <a:spcPct val="0"/>
-              </a:spcAft>
-              <a:buChar char="»"/>
-              <a:defRPr kumimoji="1" sz="1800">
-                <a:solidFill>
-                  <a:schemeClr val="tx1"/>
-                </a:solidFill>
-                <a:latin typeface="+mn-lt"/>
-                <a:ea typeface="+mn-ea"/>
-              </a:defRPr>
-            </a:lvl7pPr>
-            <a:lvl8pPr marL="3429000" indent="-228600" algn="l" rtl="0" fontAlgn="base">
-              <a:spcBef>
-                <a:spcPct val="20000"/>
-              </a:spcBef>
-              <a:spcAft>
-                <a:spcPct val="0"/>
-              </a:spcAft>
-              <a:buChar char="»"/>
-              <a:defRPr kumimoji="1" sz="1800">
-                <a:solidFill>
-                  <a:schemeClr val="tx1"/>
-                </a:solidFill>
-                <a:latin typeface="+mn-lt"/>
-                <a:ea typeface="+mn-ea"/>
-              </a:defRPr>
-            </a:lvl8pPr>
-            <a:lvl9pPr marL="3886200" indent="-228600" algn="l" rtl="0" fontAlgn="base">
-              <a:spcBef>
-                <a:spcPct val="20000"/>
-              </a:spcBef>
-              <a:spcAft>
-                <a:spcPct val="0"/>
-              </a:spcAft>
-              <a:buChar char="»"/>
-              <a:defRPr kumimoji="1" sz="1800">
-                <a:solidFill>
-                  <a:schemeClr val="tx1"/>
-                </a:solidFill>
-                <a:latin typeface="+mn-lt"/>
-                <a:ea typeface="+mn-ea"/>
-              </a:defRPr>
-            </a:lvl9pPr>
-          </a:lstStyle>
-          <a:p>
-            <a:pPr algn="just">
-              <a:buAutoNum type="arabicPeriod"/>
-            </a:pPr>
-            <a:r>
-              <a:rPr lang="zh-CN" altLang="en-US" sz="1800" dirty="0"/>
-              <a:t>改写综述第二版：</a:t>
-            </a:r>
-            <a:endParaRPr lang="en-US" altLang="zh-CN" sz="1800" dirty="0"/>
-          </a:p>
-          <a:p>
-            <a:pPr marL="0" indent="0" algn="just">
-              <a:buNone/>
-            </a:pPr>
-            <a:r>
-              <a:rPr lang="en-US" altLang="zh-CN" sz="1800" dirty="0"/>
-              <a:t>        1</a:t>
-            </a:r>
-            <a:r>
-              <a:rPr lang="zh-CN" altLang="en-US" sz="1800" dirty="0"/>
-              <a:t>）对综述第二版进行完善，如补充画图等</a:t>
-            </a:r>
-            <a:endParaRPr lang="en-US" altLang="zh-CN" sz="1800" dirty="0"/>
-          </a:p>
-          <a:p>
-            <a:pPr marL="0" indent="0" algn="just">
-              <a:buNone/>
-            </a:pPr>
-            <a:r>
-              <a:rPr lang="en-US" altLang="zh-CN" sz="1800" dirty="0"/>
-              <a:t>        2</a:t>
-            </a:r>
-            <a:r>
-              <a:rPr lang="zh-CN" altLang="en-US" sz="1800" dirty="0"/>
-              <a:t>）阅读其它综述范文（至少三篇），融合多个范文的风格，对综述进行进一步完善；</a:t>
-            </a:r>
-            <a:endParaRPr lang="en-US" altLang="zh-CN" sz="1800" dirty="0"/>
-          </a:p>
-          <a:p>
-            <a:pPr marL="0" indent="0" algn="just">
-              <a:buNone/>
-            </a:pPr>
-            <a:r>
-              <a:rPr lang="en-US" sz="1800" dirty="0"/>
-              <a:t>        3</a:t>
-            </a:r>
-            <a:r>
-              <a:rPr lang="zh-CN" altLang="en-US" sz="1800" dirty="0"/>
-              <a:t>）</a:t>
-            </a:r>
-            <a:r>
-              <a:rPr lang="zh-CN" altLang="en-US" sz="2000" dirty="0">
-                <a:latin typeface="黑体" panose="02010609060101010101" charset="-122"/>
-                <a:ea typeface="黑体" panose="02010609060101010101" charset="-122"/>
-                <a:cs typeface="黑体" panose="02010609060101010101" charset="-122"/>
-                <a:sym typeface="+mn-ea"/>
-              </a:rPr>
-              <a:t>提交：将参考文献和综述论文（第三版）打包发送到科代表</a:t>
-            </a:r>
-            <a:r>
-              <a:rPr lang="en-US" altLang="zh-CN" sz="2000" dirty="0">
-                <a:latin typeface="黑体" panose="02010609060101010101" charset="-122"/>
-                <a:ea typeface="黑体" panose="02010609060101010101" charset="-122"/>
-                <a:cs typeface="黑体" panose="02010609060101010101" charset="-122"/>
-                <a:sym typeface="+mn-ea"/>
-              </a:rPr>
-              <a:t>***</a:t>
-            </a:r>
-            <a:r>
-              <a:rPr lang="zh-CN" altLang="en-US" sz="2000" dirty="0">
-                <a:latin typeface="黑体" panose="02010609060101010101" charset="-122"/>
-                <a:ea typeface="黑体" panose="02010609060101010101" charset="-122"/>
-                <a:cs typeface="黑体" panose="02010609060101010101" charset="-122"/>
-                <a:sym typeface="+mn-ea"/>
-              </a:rPr>
-              <a:t>的邮箱：</a:t>
-            </a:r>
-            <a:r>
-              <a:rPr lang="en-US" altLang="zh-CN" sz="2000" dirty="0">
-                <a:latin typeface="黑体" panose="02010609060101010101" charset="-122"/>
-                <a:ea typeface="黑体" panose="02010609060101010101" charset="-122"/>
-                <a:cs typeface="黑体" panose="02010609060101010101" charset="-122"/>
-                <a:sym typeface="+mn-ea"/>
-              </a:rPr>
-              <a:t>***@***</a:t>
-            </a:r>
-            <a:r>
-              <a:rPr lang="zh-CN" altLang="en-US" sz="2000" dirty="0">
-                <a:latin typeface="黑体" panose="02010609060101010101" charset="-122"/>
-                <a:ea typeface="黑体" panose="02010609060101010101" charset="-122"/>
-                <a:cs typeface="黑体" panose="02010609060101010101" charset="-122"/>
-                <a:sym typeface="+mn-ea"/>
-              </a:rPr>
-              <a:t>，</a:t>
-            </a:r>
-            <a:r>
-              <a:rPr lang="zh-CN" altLang="en-US" sz="2000" dirty="0">
-                <a:latin typeface="黑体" panose="02010609060101010101" charset="-122"/>
-                <a:ea typeface="黑体" panose="02010609060101010101" charset="-122"/>
-                <a:cs typeface="黑体" panose="02010609060101010101" charset="-122"/>
-                <a:sym typeface="+mn-ea"/>
-                <a:hlinkClick r:id="rId6"/>
-              </a:rPr>
-              <a:t>由科代表打包发到我的邮箱</a:t>
-            </a:r>
-            <a:r>
-              <a:rPr lang="en-US" altLang="zh-CN" sz="2000" dirty="0">
-                <a:latin typeface="黑体" panose="02010609060101010101" charset="-122"/>
-                <a:ea typeface="黑体" panose="02010609060101010101" charset="-122"/>
-                <a:cs typeface="黑体" panose="02010609060101010101" charset="-122"/>
-                <a:sym typeface="+mn-ea"/>
-                <a:hlinkClick r:id="rId6"/>
-              </a:rPr>
-              <a:t>jqi@uestc.edu.cn</a:t>
-            </a:r>
-            <a:r>
-              <a:rPr lang="en-US" altLang="zh-CN" sz="2000" dirty="0">
-                <a:latin typeface="黑体" panose="02010609060101010101" charset="-122"/>
-                <a:ea typeface="黑体" panose="02010609060101010101" charset="-122"/>
-                <a:cs typeface="黑体" panose="02010609060101010101" charset="-122"/>
-                <a:sym typeface="+mn-ea"/>
-              </a:rPr>
-              <a:t>(</a:t>
-            </a:r>
-            <a:r>
-              <a:rPr lang="zh-CN" altLang="en-US" sz="2000" dirty="0">
-                <a:latin typeface="黑体" panose="02010609060101010101" charset="-122"/>
-                <a:ea typeface="黑体" panose="02010609060101010101" charset="-122"/>
-                <a:cs typeface="黑体" panose="02010609060101010101" charset="-122"/>
-                <a:sym typeface="+mn-ea"/>
-              </a:rPr>
-              <a:t>如无必要，请勿发此邮箱）</a:t>
-            </a:r>
-            <a:endParaRPr lang="en-US" altLang="zh-CN" sz="2000" dirty="0">
-              <a:latin typeface="黑体" panose="02010609060101010101" charset="-122"/>
-              <a:ea typeface="黑体" panose="02010609060101010101" charset="-122"/>
-              <a:cs typeface="黑体" panose="02010609060101010101" charset="-122"/>
-              <a:sym typeface="+mn-ea"/>
-            </a:endParaRPr>
-          </a:p>
-        </p:txBody>
-      </p:sp>
     </p:spTree>
-    <p:custDataLst>
-      <p:tags r:id="rId1"/>
-    </p:custDataLst>
     <p:extLst>
       <p:ext uri="{BB962C8B-B14F-4D97-AF65-F5344CB8AC3E}">
-        <p14:creationId xmlns:p14="http://schemas.microsoft.com/office/powerpoint/2010/main" val="3629838017"/>
+        <p14:creationId xmlns:p14="http://schemas.microsoft.com/office/powerpoint/2010/main" val="897794504"/>
       </p:ext>
     </p:extLst>
   </p:cSld>
